--- a/Slides/Fig11.pptx
+++ b/Slides/Fig11.pptx
@@ -2,10 +2,10 @@
 <file path=ppt/presentation.xml><?xml version="1.0" encoding="utf-8"?>
 <p:presentation xmlns:a="http://schemas.openxmlformats.org/drawingml/2006/main" xmlns:r="http://schemas.openxmlformats.org/officeDocument/2006/relationships" xmlns:p="http://schemas.openxmlformats.org/presentationml/2006/main" saveSubsetFonts="1">
   <p:sldMasterIdLst>
-    <p:sldMasterId id="2147483648" r:id="rId1"/>
+    <p:sldMasterId id="2147483648" r:id="rId4"/>
   </p:sldMasterIdLst>
   <p:sldIdLst>
-    <p:sldId id="256" r:id="rId2"/>
+    <p:sldId id="256" r:id="rId5"/>
   </p:sldIdLst>
   <p:sldSz cx="12192000" cy="6858000"/>
   <p:notesSz cx="6858000" cy="9144000"/>
@@ -134,7 +134,7 @@
           <p:cNvPr id="2" name="Titolo 1">
             <a:extLst>
               <a:ext uri="{FF2B5EF4-FFF2-40B4-BE49-F238E27FC236}">
-                <a16:creationId xmlns:a16="http://schemas.microsoft.com/office/drawing/2014/main" id="{9BEA9CE8-B6A3-1D9E-8640-8AFED24786E2}"/>
+                <a16:creationId xmlns:a16="http://schemas.microsoft.com/office/drawing/2014/main" id="{CB566ECC-1E8D-AD5B-D6A8-EC64805E60B0}"/>
               </a:ext>
             </a:extLst>
           </p:cNvPr>
@@ -171,7 +171,7 @@
           <p:cNvPr id="3" name="Sottotitolo 2">
             <a:extLst>
               <a:ext uri="{FF2B5EF4-FFF2-40B4-BE49-F238E27FC236}">
-                <a16:creationId xmlns:a16="http://schemas.microsoft.com/office/drawing/2014/main" id="{7D4A6BE0-ADA9-7CF6-DD7A-BDE1A9BE4622}"/>
+                <a16:creationId xmlns:a16="http://schemas.microsoft.com/office/drawing/2014/main" id="{320A797D-005E-3676-3DE1-D93AD505EF65}"/>
               </a:ext>
             </a:extLst>
           </p:cNvPr>
@@ -241,7 +241,7 @@
           <p:cNvPr id="4" name="Segnaposto data 3">
             <a:extLst>
               <a:ext uri="{FF2B5EF4-FFF2-40B4-BE49-F238E27FC236}">
-                <a16:creationId xmlns:a16="http://schemas.microsoft.com/office/drawing/2014/main" id="{DC7EB646-CB93-BB00-B66C-9FF7A7D0F694}"/>
+                <a16:creationId xmlns:a16="http://schemas.microsoft.com/office/drawing/2014/main" id="{545CAF74-5F20-72A6-ABCA-3DD980399FD7}"/>
               </a:ext>
             </a:extLst>
           </p:cNvPr>
@@ -257,9 +257,9 @@
           <a:bodyPr/>
           <a:lstStyle/>
           <a:p>
-            <a:fld id="{A4CA3AA4-6A25-4603-AA85-46878A907124}" type="datetimeFigureOut">
+            <a:fld id="{88C687E7-504C-463E-A938-E97E3F497B8F}" type="datetimeFigureOut">
               <a:rPr lang="it-IT" smtClean="0"/>
-              <a:t>09/02/2023</a:t>
+              <a:t>21/02/2023</a:t>
             </a:fld>
             <a:endParaRPr lang="it-IT"/>
           </a:p>
@@ -270,7 +270,7 @@
           <p:cNvPr id="5" name="Segnaposto piè di pagina 4">
             <a:extLst>
               <a:ext uri="{FF2B5EF4-FFF2-40B4-BE49-F238E27FC236}">
-                <a16:creationId xmlns:a16="http://schemas.microsoft.com/office/drawing/2014/main" id="{AD2A223F-3C49-C2A2-A78E-2DEE84378EF4}"/>
+                <a16:creationId xmlns:a16="http://schemas.microsoft.com/office/drawing/2014/main" id="{948907A7-5D77-8D22-098D-8042FC17774F}"/>
               </a:ext>
             </a:extLst>
           </p:cNvPr>
@@ -295,7 +295,7 @@
           <p:cNvPr id="6" name="Segnaposto numero diapositiva 5">
             <a:extLst>
               <a:ext uri="{FF2B5EF4-FFF2-40B4-BE49-F238E27FC236}">
-                <a16:creationId xmlns:a16="http://schemas.microsoft.com/office/drawing/2014/main" id="{1D87E72B-7C55-F9ED-B6C9-663D7D7773D3}"/>
+                <a16:creationId xmlns:a16="http://schemas.microsoft.com/office/drawing/2014/main" id="{694937E2-17A8-8058-06BD-0642C8B6804B}"/>
               </a:ext>
             </a:extLst>
           </p:cNvPr>
@@ -311,7 +311,7 @@
           <a:bodyPr/>
           <a:lstStyle/>
           <a:p>
-            <a:fld id="{5BFBA4A6-120E-4EF9-8F46-201EB0EB50B8}" type="slidenum">
+            <a:fld id="{D5960013-E842-424F-A943-58D928E9A684}" type="slidenum">
               <a:rPr lang="it-IT" smtClean="0"/>
               <a:t>‹N›</a:t>
             </a:fld>
@@ -322,7 +322,7 @@
     </p:spTree>
     <p:extLst>
       <p:ext uri="{BB962C8B-B14F-4D97-AF65-F5344CB8AC3E}">
-        <p14:creationId xmlns:p14="http://schemas.microsoft.com/office/powerpoint/2010/main" val="1133929793"/>
+        <p14:creationId xmlns:p14="http://schemas.microsoft.com/office/powerpoint/2010/main" val="657477560"/>
       </p:ext>
     </p:extLst>
   </p:cSld>
@@ -354,7 +354,7 @@
           <p:cNvPr id="2" name="Titolo 1">
             <a:extLst>
               <a:ext uri="{FF2B5EF4-FFF2-40B4-BE49-F238E27FC236}">
-                <a16:creationId xmlns:a16="http://schemas.microsoft.com/office/drawing/2014/main" id="{95B011C1-CC41-8AF4-B28E-89A08965F147}"/>
+                <a16:creationId xmlns:a16="http://schemas.microsoft.com/office/drawing/2014/main" id="{4EE9E035-56BA-7CA7-3DE9-490D1B8C3F77}"/>
               </a:ext>
             </a:extLst>
           </p:cNvPr>
@@ -382,7 +382,7 @@
           <p:cNvPr id="3" name="Segnaposto testo verticale 2">
             <a:extLst>
               <a:ext uri="{FF2B5EF4-FFF2-40B4-BE49-F238E27FC236}">
-                <a16:creationId xmlns:a16="http://schemas.microsoft.com/office/drawing/2014/main" id="{509CEAF4-AB5E-093F-B491-29186595789D}"/>
+                <a16:creationId xmlns:a16="http://schemas.microsoft.com/office/drawing/2014/main" id="{0074CAA9-A371-81C0-C9AB-A9FE801EC7AF}"/>
               </a:ext>
             </a:extLst>
           </p:cNvPr>
@@ -439,7 +439,7 @@
           <p:cNvPr id="4" name="Segnaposto data 3">
             <a:extLst>
               <a:ext uri="{FF2B5EF4-FFF2-40B4-BE49-F238E27FC236}">
-                <a16:creationId xmlns:a16="http://schemas.microsoft.com/office/drawing/2014/main" id="{3E92F07A-4CF3-4D5B-D5E7-09BF52E277A0}"/>
+                <a16:creationId xmlns:a16="http://schemas.microsoft.com/office/drawing/2014/main" id="{50C13F48-E4AE-0069-4AA0-9C8704EF40DE}"/>
               </a:ext>
             </a:extLst>
           </p:cNvPr>
@@ -455,9 +455,9 @@
           <a:bodyPr/>
           <a:lstStyle/>
           <a:p>
-            <a:fld id="{A4CA3AA4-6A25-4603-AA85-46878A907124}" type="datetimeFigureOut">
+            <a:fld id="{88C687E7-504C-463E-A938-E97E3F497B8F}" type="datetimeFigureOut">
               <a:rPr lang="it-IT" smtClean="0"/>
-              <a:t>09/02/2023</a:t>
+              <a:t>21/02/2023</a:t>
             </a:fld>
             <a:endParaRPr lang="it-IT"/>
           </a:p>
@@ -468,7 +468,7 @@
           <p:cNvPr id="5" name="Segnaposto piè di pagina 4">
             <a:extLst>
               <a:ext uri="{FF2B5EF4-FFF2-40B4-BE49-F238E27FC236}">
-                <a16:creationId xmlns:a16="http://schemas.microsoft.com/office/drawing/2014/main" id="{DA2C65D4-5784-6AEF-C922-6708DF184B45}"/>
+                <a16:creationId xmlns:a16="http://schemas.microsoft.com/office/drawing/2014/main" id="{DF3F025F-D6A5-FFAE-AF94-C9EBD4123B9C}"/>
               </a:ext>
             </a:extLst>
           </p:cNvPr>
@@ -493,7 +493,7 @@
           <p:cNvPr id="6" name="Segnaposto numero diapositiva 5">
             <a:extLst>
               <a:ext uri="{FF2B5EF4-FFF2-40B4-BE49-F238E27FC236}">
-                <a16:creationId xmlns:a16="http://schemas.microsoft.com/office/drawing/2014/main" id="{AD8376B4-7504-D22F-6676-8AFD90179AF4}"/>
+                <a16:creationId xmlns:a16="http://schemas.microsoft.com/office/drawing/2014/main" id="{175BAD6F-6FF5-FF11-7840-6807BB9008B1}"/>
               </a:ext>
             </a:extLst>
           </p:cNvPr>
@@ -509,7 +509,7 @@
           <a:bodyPr/>
           <a:lstStyle/>
           <a:p>
-            <a:fld id="{5BFBA4A6-120E-4EF9-8F46-201EB0EB50B8}" type="slidenum">
+            <a:fld id="{D5960013-E842-424F-A943-58D928E9A684}" type="slidenum">
               <a:rPr lang="it-IT" smtClean="0"/>
               <a:t>‹N›</a:t>
             </a:fld>
@@ -520,7 +520,7 @@
     </p:spTree>
     <p:extLst>
       <p:ext uri="{BB962C8B-B14F-4D97-AF65-F5344CB8AC3E}">
-        <p14:creationId xmlns:p14="http://schemas.microsoft.com/office/powerpoint/2010/main" val="4060527369"/>
+        <p14:creationId xmlns:p14="http://schemas.microsoft.com/office/powerpoint/2010/main" val="2185490242"/>
       </p:ext>
     </p:extLst>
   </p:cSld>
@@ -552,7 +552,7 @@
           <p:cNvPr id="2" name="Titolo verticale 1">
             <a:extLst>
               <a:ext uri="{FF2B5EF4-FFF2-40B4-BE49-F238E27FC236}">
-                <a16:creationId xmlns:a16="http://schemas.microsoft.com/office/drawing/2014/main" id="{FA5D1B94-5C16-4268-A08E-53C561AB6C7E}"/>
+                <a16:creationId xmlns:a16="http://schemas.microsoft.com/office/drawing/2014/main" id="{54B2B287-AED8-43E1-B795-6708AE0C6E17}"/>
               </a:ext>
             </a:extLst>
           </p:cNvPr>
@@ -585,7 +585,7 @@
           <p:cNvPr id="3" name="Segnaposto testo verticale 2">
             <a:extLst>
               <a:ext uri="{FF2B5EF4-FFF2-40B4-BE49-F238E27FC236}">
-                <a16:creationId xmlns:a16="http://schemas.microsoft.com/office/drawing/2014/main" id="{118616FC-D3E9-B196-8032-E9AF3F4D308F}"/>
+                <a16:creationId xmlns:a16="http://schemas.microsoft.com/office/drawing/2014/main" id="{95E7303B-1844-4273-0A94-29466BF7C141}"/>
               </a:ext>
             </a:extLst>
           </p:cNvPr>
@@ -647,7 +647,7 @@
           <p:cNvPr id="4" name="Segnaposto data 3">
             <a:extLst>
               <a:ext uri="{FF2B5EF4-FFF2-40B4-BE49-F238E27FC236}">
-                <a16:creationId xmlns:a16="http://schemas.microsoft.com/office/drawing/2014/main" id="{79351F40-B1C3-9960-7A34-EAFCA6B9BADE}"/>
+                <a16:creationId xmlns:a16="http://schemas.microsoft.com/office/drawing/2014/main" id="{F2C768E5-E63F-73C5-9E0E-D95A8D4AA023}"/>
               </a:ext>
             </a:extLst>
           </p:cNvPr>
@@ -663,9 +663,9 @@
           <a:bodyPr/>
           <a:lstStyle/>
           <a:p>
-            <a:fld id="{A4CA3AA4-6A25-4603-AA85-46878A907124}" type="datetimeFigureOut">
+            <a:fld id="{88C687E7-504C-463E-A938-E97E3F497B8F}" type="datetimeFigureOut">
               <a:rPr lang="it-IT" smtClean="0"/>
-              <a:t>09/02/2023</a:t>
+              <a:t>21/02/2023</a:t>
             </a:fld>
             <a:endParaRPr lang="it-IT"/>
           </a:p>
@@ -676,7 +676,7 @@
           <p:cNvPr id="5" name="Segnaposto piè di pagina 4">
             <a:extLst>
               <a:ext uri="{FF2B5EF4-FFF2-40B4-BE49-F238E27FC236}">
-                <a16:creationId xmlns:a16="http://schemas.microsoft.com/office/drawing/2014/main" id="{B7E526FE-E437-F43A-346E-AFFF262B9313}"/>
+                <a16:creationId xmlns:a16="http://schemas.microsoft.com/office/drawing/2014/main" id="{C03F501D-B2CA-608F-A833-A42035DB7A13}"/>
               </a:ext>
             </a:extLst>
           </p:cNvPr>
@@ -701,7 +701,7 @@
           <p:cNvPr id="6" name="Segnaposto numero diapositiva 5">
             <a:extLst>
               <a:ext uri="{FF2B5EF4-FFF2-40B4-BE49-F238E27FC236}">
-                <a16:creationId xmlns:a16="http://schemas.microsoft.com/office/drawing/2014/main" id="{0D4BAB74-98FA-FC79-6DBD-82B7CAF26DF3}"/>
+                <a16:creationId xmlns:a16="http://schemas.microsoft.com/office/drawing/2014/main" id="{66CD1C91-0C32-79DD-CAA3-BCFF9E2C00CF}"/>
               </a:ext>
             </a:extLst>
           </p:cNvPr>
@@ -717,7 +717,7 @@
           <a:bodyPr/>
           <a:lstStyle/>
           <a:p>
-            <a:fld id="{5BFBA4A6-120E-4EF9-8F46-201EB0EB50B8}" type="slidenum">
+            <a:fld id="{D5960013-E842-424F-A943-58D928E9A684}" type="slidenum">
               <a:rPr lang="it-IT" smtClean="0"/>
               <a:t>‹N›</a:t>
             </a:fld>
@@ -728,7 +728,7 @@
     </p:spTree>
     <p:extLst>
       <p:ext uri="{BB962C8B-B14F-4D97-AF65-F5344CB8AC3E}">
-        <p14:creationId xmlns:p14="http://schemas.microsoft.com/office/powerpoint/2010/main" val="3764122464"/>
+        <p14:creationId xmlns:p14="http://schemas.microsoft.com/office/powerpoint/2010/main" val="2724315271"/>
       </p:ext>
     </p:extLst>
   </p:cSld>
@@ -760,7 +760,7 @@
           <p:cNvPr id="2" name="Titolo 1">
             <a:extLst>
               <a:ext uri="{FF2B5EF4-FFF2-40B4-BE49-F238E27FC236}">
-                <a16:creationId xmlns:a16="http://schemas.microsoft.com/office/drawing/2014/main" id="{65953C91-C38A-374E-6C13-AC1D7B534550}"/>
+                <a16:creationId xmlns:a16="http://schemas.microsoft.com/office/drawing/2014/main" id="{2DD0B33B-4CE5-2D7D-98E6-C6CC56CE23BD}"/>
               </a:ext>
             </a:extLst>
           </p:cNvPr>
@@ -788,7 +788,7 @@
           <p:cNvPr id="3" name="Segnaposto contenuto 2">
             <a:extLst>
               <a:ext uri="{FF2B5EF4-FFF2-40B4-BE49-F238E27FC236}">
-                <a16:creationId xmlns:a16="http://schemas.microsoft.com/office/drawing/2014/main" id="{02BAAC6C-7204-69D2-8CC2-3ACBE29EA187}"/>
+                <a16:creationId xmlns:a16="http://schemas.microsoft.com/office/drawing/2014/main" id="{48907168-B751-D269-CC85-9D736E552ED9}"/>
               </a:ext>
             </a:extLst>
           </p:cNvPr>
@@ -845,7 +845,7 @@
           <p:cNvPr id="4" name="Segnaposto data 3">
             <a:extLst>
               <a:ext uri="{FF2B5EF4-FFF2-40B4-BE49-F238E27FC236}">
-                <a16:creationId xmlns:a16="http://schemas.microsoft.com/office/drawing/2014/main" id="{55E20A9B-06BF-F427-46C7-79E2059E1A02}"/>
+                <a16:creationId xmlns:a16="http://schemas.microsoft.com/office/drawing/2014/main" id="{1E9EE2CD-23E8-624A-06AB-5578DD9B1411}"/>
               </a:ext>
             </a:extLst>
           </p:cNvPr>
@@ -861,9 +861,9 @@
           <a:bodyPr/>
           <a:lstStyle/>
           <a:p>
-            <a:fld id="{A4CA3AA4-6A25-4603-AA85-46878A907124}" type="datetimeFigureOut">
+            <a:fld id="{88C687E7-504C-463E-A938-E97E3F497B8F}" type="datetimeFigureOut">
               <a:rPr lang="it-IT" smtClean="0"/>
-              <a:t>09/02/2023</a:t>
+              <a:t>21/02/2023</a:t>
             </a:fld>
             <a:endParaRPr lang="it-IT"/>
           </a:p>
@@ -874,7 +874,7 @@
           <p:cNvPr id="5" name="Segnaposto piè di pagina 4">
             <a:extLst>
               <a:ext uri="{FF2B5EF4-FFF2-40B4-BE49-F238E27FC236}">
-                <a16:creationId xmlns:a16="http://schemas.microsoft.com/office/drawing/2014/main" id="{76D2008A-62A1-27C8-AFD1-0E712CE3C886}"/>
+                <a16:creationId xmlns:a16="http://schemas.microsoft.com/office/drawing/2014/main" id="{CBA56B92-F1D6-930E-F789-CBB592E3D7DD}"/>
               </a:ext>
             </a:extLst>
           </p:cNvPr>
@@ -899,7 +899,7 @@
           <p:cNvPr id="6" name="Segnaposto numero diapositiva 5">
             <a:extLst>
               <a:ext uri="{FF2B5EF4-FFF2-40B4-BE49-F238E27FC236}">
-                <a16:creationId xmlns:a16="http://schemas.microsoft.com/office/drawing/2014/main" id="{2B4C98B8-D1E4-D27B-2CBE-CE9E05BC9625}"/>
+                <a16:creationId xmlns:a16="http://schemas.microsoft.com/office/drawing/2014/main" id="{CF3D79DD-8B4C-C784-19CE-A6406436FD9D}"/>
               </a:ext>
             </a:extLst>
           </p:cNvPr>
@@ -915,7 +915,7 @@
           <a:bodyPr/>
           <a:lstStyle/>
           <a:p>
-            <a:fld id="{5BFBA4A6-120E-4EF9-8F46-201EB0EB50B8}" type="slidenum">
+            <a:fld id="{D5960013-E842-424F-A943-58D928E9A684}" type="slidenum">
               <a:rPr lang="it-IT" smtClean="0"/>
               <a:t>‹N›</a:t>
             </a:fld>
@@ -926,7 +926,7 @@
     </p:spTree>
     <p:extLst>
       <p:ext uri="{BB962C8B-B14F-4D97-AF65-F5344CB8AC3E}">
-        <p14:creationId xmlns:p14="http://schemas.microsoft.com/office/powerpoint/2010/main" val="4122129796"/>
+        <p14:creationId xmlns:p14="http://schemas.microsoft.com/office/powerpoint/2010/main" val="3354254199"/>
       </p:ext>
     </p:extLst>
   </p:cSld>
@@ -958,7 +958,7 @@
           <p:cNvPr id="2" name="Titolo 1">
             <a:extLst>
               <a:ext uri="{FF2B5EF4-FFF2-40B4-BE49-F238E27FC236}">
-                <a16:creationId xmlns:a16="http://schemas.microsoft.com/office/drawing/2014/main" id="{CB536D79-386E-C30D-33D3-6382D2368ED1}"/>
+                <a16:creationId xmlns:a16="http://schemas.microsoft.com/office/drawing/2014/main" id="{D6D48AF0-CB9D-A698-4532-79714A0A3B97}"/>
               </a:ext>
             </a:extLst>
           </p:cNvPr>
@@ -995,7 +995,7 @@
           <p:cNvPr id="3" name="Segnaposto testo 2">
             <a:extLst>
               <a:ext uri="{FF2B5EF4-FFF2-40B4-BE49-F238E27FC236}">
-                <a16:creationId xmlns:a16="http://schemas.microsoft.com/office/drawing/2014/main" id="{A90F9E4A-5807-9D69-F46F-C6903226528B}"/>
+                <a16:creationId xmlns:a16="http://schemas.microsoft.com/office/drawing/2014/main" id="{30930710-D143-AF62-7C8A-BD8079A0E663}"/>
               </a:ext>
             </a:extLst>
           </p:cNvPr>
@@ -1120,7 +1120,7 @@
           <p:cNvPr id="4" name="Segnaposto data 3">
             <a:extLst>
               <a:ext uri="{FF2B5EF4-FFF2-40B4-BE49-F238E27FC236}">
-                <a16:creationId xmlns:a16="http://schemas.microsoft.com/office/drawing/2014/main" id="{F96F7A3F-7834-C0C6-0DA3-215B8D794808}"/>
+                <a16:creationId xmlns:a16="http://schemas.microsoft.com/office/drawing/2014/main" id="{9C3525DB-5C17-DCC7-A7EC-934DDB440E3F}"/>
               </a:ext>
             </a:extLst>
           </p:cNvPr>
@@ -1136,9 +1136,9 @@
           <a:bodyPr/>
           <a:lstStyle/>
           <a:p>
-            <a:fld id="{A4CA3AA4-6A25-4603-AA85-46878A907124}" type="datetimeFigureOut">
+            <a:fld id="{88C687E7-504C-463E-A938-E97E3F497B8F}" type="datetimeFigureOut">
               <a:rPr lang="it-IT" smtClean="0"/>
-              <a:t>09/02/2023</a:t>
+              <a:t>21/02/2023</a:t>
             </a:fld>
             <a:endParaRPr lang="it-IT"/>
           </a:p>
@@ -1149,7 +1149,7 @@
           <p:cNvPr id="5" name="Segnaposto piè di pagina 4">
             <a:extLst>
               <a:ext uri="{FF2B5EF4-FFF2-40B4-BE49-F238E27FC236}">
-                <a16:creationId xmlns:a16="http://schemas.microsoft.com/office/drawing/2014/main" id="{0AEF7BE7-1997-7AC7-63A1-31D91562E8DA}"/>
+                <a16:creationId xmlns:a16="http://schemas.microsoft.com/office/drawing/2014/main" id="{EADDD3A5-2DA3-04AE-5B22-FD97C96D837A}"/>
               </a:ext>
             </a:extLst>
           </p:cNvPr>
@@ -1174,7 +1174,7 @@
           <p:cNvPr id="6" name="Segnaposto numero diapositiva 5">
             <a:extLst>
               <a:ext uri="{FF2B5EF4-FFF2-40B4-BE49-F238E27FC236}">
-                <a16:creationId xmlns:a16="http://schemas.microsoft.com/office/drawing/2014/main" id="{93E12164-6DB2-3DE8-F1C3-A7DD311D15CC}"/>
+                <a16:creationId xmlns:a16="http://schemas.microsoft.com/office/drawing/2014/main" id="{2F111B5A-B5D3-350C-FBC3-D87D4736269C}"/>
               </a:ext>
             </a:extLst>
           </p:cNvPr>
@@ -1190,7 +1190,7 @@
           <a:bodyPr/>
           <a:lstStyle/>
           <a:p>
-            <a:fld id="{5BFBA4A6-120E-4EF9-8F46-201EB0EB50B8}" type="slidenum">
+            <a:fld id="{D5960013-E842-424F-A943-58D928E9A684}" type="slidenum">
               <a:rPr lang="it-IT" smtClean="0"/>
               <a:t>‹N›</a:t>
             </a:fld>
@@ -1201,7 +1201,7 @@
     </p:spTree>
     <p:extLst>
       <p:ext uri="{BB962C8B-B14F-4D97-AF65-F5344CB8AC3E}">
-        <p14:creationId xmlns:p14="http://schemas.microsoft.com/office/powerpoint/2010/main" val="2356087224"/>
+        <p14:creationId xmlns:p14="http://schemas.microsoft.com/office/powerpoint/2010/main" val="1840017564"/>
       </p:ext>
     </p:extLst>
   </p:cSld>
@@ -1233,7 +1233,7 @@
           <p:cNvPr id="2" name="Titolo 1">
             <a:extLst>
               <a:ext uri="{FF2B5EF4-FFF2-40B4-BE49-F238E27FC236}">
-                <a16:creationId xmlns:a16="http://schemas.microsoft.com/office/drawing/2014/main" id="{9C4F760C-36FD-FE24-621A-F44C82DE9E53}"/>
+                <a16:creationId xmlns:a16="http://schemas.microsoft.com/office/drawing/2014/main" id="{90B4B608-8111-E14F-21B4-C391C104E9C4}"/>
               </a:ext>
             </a:extLst>
           </p:cNvPr>
@@ -1261,7 +1261,7 @@
           <p:cNvPr id="3" name="Segnaposto contenuto 2">
             <a:extLst>
               <a:ext uri="{FF2B5EF4-FFF2-40B4-BE49-F238E27FC236}">
-                <a16:creationId xmlns:a16="http://schemas.microsoft.com/office/drawing/2014/main" id="{9F7DB388-BE38-10EF-09D0-0CE49E455941}"/>
+                <a16:creationId xmlns:a16="http://schemas.microsoft.com/office/drawing/2014/main" id="{DEDE8848-3EA3-60AD-B822-B643ACF71359}"/>
               </a:ext>
             </a:extLst>
           </p:cNvPr>
@@ -1323,7 +1323,7 @@
           <p:cNvPr id="4" name="Segnaposto contenuto 3">
             <a:extLst>
               <a:ext uri="{FF2B5EF4-FFF2-40B4-BE49-F238E27FC236}">
-                <a16:creationId xmlns:a16="http://schemas.microsoft.com/office/drawing/2014/main" id="{7D9BD12D-34A1-CF33-6FA6-DB13CFD43655}"/>
+                <a16:creationId xmlns:a16="http://schemas.microsoft.com/office/drawing/2014/main" id="{9FBB2713-EF9C-533C-F8A6-CE1CC19604CC}"/>
               </a:ext>
             </a:extLst>
           </p:cNvPr>
@@ -1385,7 +1385,7 @@
           <p:cNvPr id="5" name="Segnaposto data 4">
             <a:extLst>
               <a:ext uri="{FF2B5EF4-FFF2-40B4-BE49-F238E27FC236}">
-                <a16:creationId xmlns:a16="http://schemas.microsoft.com/office/drawing/2014/main" id="{E964FDFF-38F2-0BE5-4470-8963EC5C030A}"/>
+                <a16:creationId xmlns:a16="http://schemas.microsoft.com/office/drawing/2014/main" id="{FEA6D9E8-60CE-0543-89E9-C84855B5E6D1}"/>
               </a:ext>
             </a:extLst>
           </p:cNvPr>
@@ -1401,9 +1401,9 @@
           <a:bodyPr/>
           <a:lstStyle/>
           <a:p>
-            <a:fld id="{A4CA3AA4-6A25-4603-AA85-46878A907124}" type="datetimeFigureOut">
+            <a:fld id="{88C687E7-504C-463E-A938-E97E3F497B8F}" type="datetimeFigureOut">
               <a:rPr lang="it-IT" smtClean="0"/>
-              <a:t>09/02/2023</a:t>
+              <a:t>21/02/2023</a:t>
             </a:fld>
             <a:endParaRPr lang="it-IT"/>
           </a:p>
@@ -1414,7 +1414,7 @@
           <p:cNvPr id="6" name="Segnaposto piè di pagina 5">
             <a:extLst>
               <a:ext uri="{FF2B5EF4-FFF2-40B4-BE49-F238E27FC236}">
-                <a16:creationId xmlns:a16="http://schemas.microsoft.com/office/drawing/2014/main" id="{085949C4-E273-3CA8-4C25-61BE628B75AC}"/>
+                <a16:creationId xmlns:a16="http://schemas.microsoft.com/office/drawing/2014/main" id="{58238142-7FE2-A424-10E9-F82D3EA793D5}"/>
               </a:ext>
             </a:extLst>
           </p:cNvPr>
@@ -1439,7 +1439,7 @@
           <p:cNvPr id="7" name="Segnaposto numero diapositiva 6">
             <a:extLst>
               <a:ext uri="{FF2B5EF4-FFF2-40B4-BE49-F238E27FC236}">
-                <a16:creationId xmlns:a16="http://schemas.microsoft.com/office/drawing/2014/main" id="{39B39FCE-9291-0E7C-34A5-6B5F67E8CD47}"/>
+                <a16:creationId xmlns:a16="http://schemas.microsoft.com/office/drawing/2014/main" id="{5867BC7D-4002-6EF5-6B40-B47A13C81B74}"/>
               </a:ext>
             </a:extLst>
           </p:cNvPr>
@@ -1455,7 +1455,7 @@
           <a:bodyPr/>
           <a:lstStyle/>
           <a:p>
-            <a:fld id="{5BFBA4A6-120E-4EF9-8F46-201EB0EB50B8}" type="slidenum">
+            <a:fld id="{D5960013-E842-424F-A943-58D928E9A684}" type="slidenum">
               <a:rPr lang="it-IT" smtClean="0"/>
               <a:t>‹N›</a:t>
             </a:fld>
@@ -1466,7 +1466,7 @@
     </p:spTree>
     <p:extLst>
       <p:ext uri="{BB962C8B-B14F-4D97-AF65-F5344CB8AC3E}">
-        <p14:creationId xmlns:p14="http://schemas.microsoft.com/office/powerpoint/2010/main" val="3528806580"/>
+        <p14:creationId xmlns:p14="http://schemas.microsoft.com/office/powerpoint/2010/main" val="2690311549"/>
       </p:ext>
     </p:extLst>
   </p:cSld>
@@ -1498,7 +1498,7 @@
           <p:cNvPr id="2" name="Titolo 1">
             <a:extLst>
               <a:ext uri="{FF2B5EF4-FFF2-40B4-BE49-F238E27FC236}">
-                <a16:creationId xmlns:a16="http://schemas.microsoft.com/office/drawing/2014/main" id="{56F7CA1A-8C5E-486F-4059-975D238AF04F}"/>
+                <a16:creationId xmlns:a16="http://schemas.microsoft.com/office/drawing/2014/main" id="{8D56D012-C97D-CAE1-C49D-4B0E89BD808D}"/>
               </a:ext>
             </a:extLst>
           </p:cNvPr>
@@ -1531,7 +1531,7 @@
           <p:cNvPr id="3" name="Segnaposto testo 2">
             <a:extLst>
               <a:ext uri="{FF2B5EF4-FFF2-40B4-BE49-F238E27FC236}">
-                <a16:creationId xmlns:a16="http://schemas.microsoft.com/office/drawing/2014/main" id="{69DCFEB2-D319-881F-BEEE-14587279B2E3}"/>
+                <a16:creationId xmlns:a16="http://schemas.microsoft.com/office/drawing/2014/main" id="{B960C50F-B57D-088F-2242-54C35E82D37A}"/>
               </a:ext>
             </a:extLst>
           </p:cNvPr>
@@ -1602,7 +1602,7 @@
           <p:cNvPr id="4" name="Segnaposto contenuto 3">
             <a:extLst>
               <a:ext uri="{FF2B5EF4-FFF2-40B4-BE49-F238E27FC236}">
-                <a16:creationId xmlns:a16="http://schemas.microsoft.com/office/drawing/2014/main" id="{14A9D3DD-BA50-78B5-2630-A07140F2FC05}"/>
+                <a16:creationId xmlns:a16="http://schemas.microsoft.com/office/drawing/2014/main" id="{74F15D8A-842E-992B-3FAC-CFB7E3F8B1CA}"/>
               </a:ext>
             </a:extLst>
           </p:cNvPr>
@@ -1664,7 +1664,7 @@
           <p:cNvPr id="5" name="Segnaposto testo 4">
             <a:extLst>
               <a:ext uri="{FF2B5EF4-FFF2-40B4-BE49-F238E27FC236}">
-                <a16:creationId xmlns:a16="http://schemas.microsoft.com/office/drawing/2014/main" id="{B8E87DBA-1055-8301-3B94-6BCD9310067F}"/>
+                <a16:creationId xmlns:a16="http://schemas.microsoft.com/office/drawing/2014/main" id="{E529D56D-F8AD-81AD-FE49-104FD851E37D}"/>
               </a:ext>
             </a:extLst>
           </p:cNvPr>
@@ -1735,7 +1735,7 @@
           <p:cNvPr id="6" name="Segnaposto contenuto 5">
             <a:extLst>
               <a:ext uri="{FF2B5EF4-FFF2-40B4-BE49-F238E27FC236}">
-                <a16:creationId xmlns:a16="http://schemas.microsoft.com/office/drawing/2014/main" id="{C4E4A72A-964F-3E85-335C-08215EE0AFC3}"/>
+                <a16:creationId xmlns:a16="http://schemas.microsoft.com/office/drawing/2014/main" id="{8AC6E5EB-5CE6-B028-7825-12238C897905}"/>
               </a:ext>
             </a:extLst>
           </p:cNvPr>
@@ -1797,7 +1797,7 @@
           <p:cNvPr id="7" name="Segnaposto data 6">
             <a:extLst>
               <a:ext uri="{FF2B5EF4-FFF2-40B4-BE49-F238E27FC236}">
-                <a16:creationId xmlns:a16="http://schemas.microsoft.com/office/drawing/2014/main" id="{39E3EDEA-7A5D-B0AC-B854-C885217BA13D}"/>
+                <a16:creationId xmlns:a16="http://schemas.microsoft.com/office/drawing/2014/main" id="{64678E66-79ED-2C0A-76E6-A226295C2A80}"/>
               </a:ext>
             </a:extLst>
           </p:cNvPr>
@@ -1813,9 +1813,9 @@
           <a:bodyPr/>
           <a:lstStyle/>
           <a:p>
-            <a:fld id="{A4CA3AA4-6A25-4603-AA85-46878A907124}" type="datetimeFigureOut">
+            <a:fld id="{88C687E7-504C-463E-A938-E97E3F497B8F}" type="datetimeFigureOut">
               <a:rPr lang="it-IT" smtClean="0"/>
-              <a:t>09/02/2023</a:t>
+              <a:t>21/02/2023</a:t>
             </a:fld>
             <a:endParaRPr lang="it-IT"/>
           </a:p>
@@ -1826,7 +1826,7 @@
           <p:cNvPr id="8" name="Segnaposto piè di pagina 7">
             <a:extLst>
               <a:ext uri="{FF2B5EF4-FFF2-40B4-BE49-F238E27FC236}">
-                <a16:creationId xmlns:a16="http://schemas.microsoft.com/office/drawing/2014/main" id="{B9024A48-1C10-8C23-9447-B9693D4E6A2A}"/>
+                <a16:creationId xmlns:a16="http://schemas.microsoft.com/office/drawing/2014/main" id="{603BF1BA-CAEC-DC3F-8198-826AA147E9E3}"/>
               </a:ext>
             </a:extLst>
           </p:cNvPr>
@@ -1851,7 +1851,7 @@
           <p:cNvPr id="9" name="Segnaposto numero diapositiva 8">
             <a:extLst>
               <a:ext uri="{FF2B5EF4-FFF2-40B4-BE49-F238E27FC236}">
-                <a16:creationId xmlns:a16="http://schemas.microsoft.com/office/drawing/2014/main" id="{7ACA358C-B307-6A17-08A0-5DB85137E9C8}"/>
+                <a16:creationId xmlns:a16="http://schemas.microsoft.com/office/drawing/2014/main" id="{A9F78105-EF70-0C03-D68E-FBDCE2CEA0CF}"/>
               </a:ext>
             </a:extLst>
           </p:cNvPr>
@@ -1867,7 +1867,7 @@
           <a:bodyPr/>
           <a:lstStyle/>
           <a:p>
-            <a:fld id="{5BFBA4A6-120E-4EF9-8F46-201EB0EB50B8}" type="slidenum">
+            <a:fld id="{D5960013-E842-424F-A943-58D928E9A684}" type="slidenum">
               <a:rPr lang="it-IT" smtClean="0"/>
               <a:t>‹N›</a:t>
             </a:fld>
@@ -1878,7 +1878,7 @@
     </p:spTree>
     <p:extLst>
       <p:ext uri="{BB962C8B-B14F-4D97-AF65-F5344CB8AC3E}">
-        <p14:creationId xmlns:p14="http://schemas.microsoft.com/office/powerpoint/2010/main" val="31542354"/>
+        <p14:creationId xmlns:p14="http://schemas.microsoft.com/office/powerpoint/2010/main" val="2555083494"/>
       </p:ext>
     </p:extLst>
   </p:cSld>
@@ -1910,7 +1910,7 @@
           <p:cNvPr id="2" name="Titolo 1">
             <a:extLst>
               <a:ext uri="{FF2B5EF4-FFF2-40B4-BE49-F238E27FC236}">
-                <a16:creationId xmlns:a16="http://schemas.microsoft.com/office/drawing/2014/main" id="{97019AB4-A658-B3F5-437D-9B1FFC8570CE}"/>
+                <a16:creationId xmlns:a16="http://schemas.microsoft.com/office/drawing/2014/main" id="{F2EC435C-AF7B-E365-4171-0AC311E60498}"/>
               </a:ext>
             </a:extLst>
           </p:cNvPr>
@@ -1938,7 +1938,7 @@
           <p:cNvPr id="3" name="Segnaposto data 2">
             <a:extLst>
               <a:ext uri="{FF2B5EF4-FFF2-40B4-BE49-F238E27FC236}">
-                <a16:creationId xmlns:a16="http://schemas.microsoft.com/office/drawing/2014/main" id="{B613425B-B77B-91FD-89F0-1AD39530B4A7}"/>
+                <a16:creationId xmlns:a16="http://schemas.microsoft.com/office/drawing/2014/main" id="{1F569130-5B37-529E-770A-A825CF515CA8}"/>
               </a:ext>
             </a:extLst>
           </p:cNvPr>
@@ -1954,9 +1954,9 @@
           <a:bodyPr/>
           <a:lstStyle/>
           <a:p>
-            <a:fld id="{A4CA3AA4-6A25-4603-AA85-46878A907124}" type="datetimeFigureOut">
+            <a:fld id="{88C687E7-504C-463E-A938-E97E3F497B8F}" type="datetimeFigureOut">
               <a:rPr lang="it-IT" smtClean="0"/>
-              <a:t>09/02/2023</a:t>
+              <a:t>21/02/2023</a:t>
             </a:fld>
             <a:endParaRPr lang="it-IT"/>
           </a:p>
@@ -1967,7 +1967,7 @@
           <p:cNvPr id="4" name="Segnaposto piè di pagina 3">
             <a:extLst>
               <a:ext uri="{FF2B5EF4-FFF2-40B4-BE49-F238E27FC236}">
-                <a16:creationId xmlns:a16="http://schemas.microsoft.com/office/drawing/2014/main" id="{BAD5501C-9AD4-940C-AA1A-AF3FBA6EF255}"/>
+                <a16:creationId xmlns:a16="http://schemas.microsoft.com/office/drawing/2014/main" id="{1D6BF4EC-EAC8-D831-5600-A459B44132AF}"/>
               </a:ext>
             </a:extLst>
           </p:cNvPr>
@@ -1992,7 +1992,7 @@
           <p:cNvPr id="5" name="Segnaposto numero diapositiva 4">
             <a:extLst>
               <a:ext uri="{FF2B5EF4-FFF2-40B4-BE49-F238E27FC236}">
-                <a16:creationId xmlns:a16="http://schemas.microsoft.com/office/drawing/2014/main" id="{0F851AAA-049F-693C-A185-75181661E9E0}"/>
+                <a16:creationId xmlns:a16="http://schemas.microsoft.com/office/drawing/2014/main" id="{C76377D5-90BF-83DA-5F2E-A1D6143F5D44}"/>
               </a:ext>
             </a:extLst>
           </p:cNvPr>
@@ -2008,7 +2008,7 @@
           <a:bodyPr/>
           <a:lstStyle/>
           <a:p>
-            <a:fld id="{5BFBA4A6-120E-4EF9-8F46-201EB0EB50B8}" type="slidenum">
+            <a:fld id="{D5960013-E842-424F-A943-58D928E9A684}" type="slidenum">
               <a:rPr lang="it-IT" smtClean="0"/>
               <a:t>‹N›</a:t>
             </a:fld>
@@ -2019,7 +2019,7 @@
     </p:spTree>
     <p:extLst>
       <p:ext uri="{BB962C8B-B14F-4D97-AF65-F5344CB8AC3E}">
-        <p14:creationId xmlns:p14="http://schemas.microsoft.com/office/powerpoint/2010/main" val="3739826439"/>
+        <p14:creationId xmlns:p14="http://schemas.microsoft.com/office/powerpoint/2010/main" val="1364251033"/>
       </p:ext>
     </p:extLst>
   </p:cSld>
@@ -2051,7 +2051,7 @@
           <p:cNvPr id="2" name="Segnaposto data 1">
             <a:extLst>
               <a:ext uri="{FF2B5EF4-FFF2-40B4-BE49-F238E27FC236}">
-                <a16:creationId xmlns:a16="http://schemas.microsoft.com/office/drawing/2014/main" id="{A946E16A-DDC8-5F57-CA0C-30B7EF4B977C}"/>
+                <a16:creationId xmlns:a16="http://schemas.microsoft.com/office/drawing/2014/main" id="{03CF5C23-1B24-53DE-8D83-3C413C7E1913}"/>
               </a:ext>
             </a:extLst>
           </p:cNvPr>
@@ -2067,9 +2067,9 @@
           <a:bodyPr/>
           <a:lstStyle/>
           <a:p>
-            <a:fld id="{A4CA3AA4-6A25-4603-AA85-46878A907124}" type="datetimeFigureOut">
+            <a:fld id="{88C687E7-504C-463E-A938-E97E3F497B8F}" type="datetimeFigureOut">
               <a:rPr lang="it-IT" smtClean="0"/>
-              <a:t>09/02/2023</a:t>
+              <a:t>21/02/2023</a:t>
             </a:fld>
             <a:endParaRPr lang="it-IT"/>
           </a:p>
@@ -2080,7 +2080,7 @@
           <p:cNvPr id="3" name="Segnaposto piè di pagina 2">
             <a:extLst>
               <a:ext uri="{FF2B5EF4-FFF2-40B4-BE49-F238E27FC236}">
-                <a16:creationId xmlns:a16="http://schemas.microsoft.com/office/drawing/2014/main" id="{01C63A81-B25D-4F0E-A96D-4E5B266C786A}"/>
+                <a16:creationId xmlns:a16="http://schemas.microsoft.com/office/drawing/2014/main" id="{2D881BEE-AFB8-66D0-D9EF-7477EB53ECD3}"/>
               </a:ext>
             </a:extLst>
           </p:cNvPr>
@@ -2105,7 +2105,7 @@
           <p:cNvPr id="4" name="Segnaposto numero diapositiva 3">
             <a:extLst>
               <a:ext uri="{FF2B5EF4-FFF2-40B4-BE49-F238E27FC236}">
-                <a16:creationId xmlns:a16="http://schemas.microsoft.com/office/drawing/2014/main" id="{DFEE45D4-67D0-C374-1FA7-2870EB47558B}"/>
+                <a16:creationId xmlns:a16="http://schemas.microsoft.com/office/drawing/2014/main" id="{6C8B9029-52C4-64C1-6605-8F2807037517}"/>
               </a:ext>
             </a:extLst>
           </p:cNvPr>
@@ -2121,7 +2121,7 @@
           <a:bodyPr/>
           <a:lstStyle/>
           <a:p>
-            <a:fld id="{5BFBA4A6-120E-4EF9-8F46-201EB0EB50B8}" type="slidenum">
+            <a:fld id="{D5960013-E842-424F-A943-58D928E9A684}" type="slidenum">
               <a:rPr lang="it-IT" smtClean="0"/>
               <a:t>‹N›</a:t>
             </a:fld>
@@ -2132,7 +2132,7 @@
     </p:spTree>
     <p:extLst>
       <p:ext uri="{BB962C8B-B14F-4D97-AF65-F5344CB8AC3E}">
-        <p14:creationId xmlns:p14="http://schemas.microsoft.com/office/powerpoint/2010/main" val="63264937"/>
+        <p14:creationId xmlns:p14="http://schemas.microsoft.com/office/powerpoint/2010/main" val="2591301381"/>
       </p:ext>
     </p:extLst>
   </p:cSld>
@@ -2164,7 +2164,7 @@
           <p:cNvPr id="2" name="Titolo 1">
             <a:extLst>
               <a:ext uri="{FF2B5EF4-FFF2-40B4-BE49-F238E27FC236}">
-                <a16:creationId xmlns:a16="http://schemas.microsoft.com/office/drawing/2014/main" id="{93A8DCA8-8761-567D-1144-146CD8DD1B40}"/>
+                <a16:creationId xmlns:a16="http://schemas.microsoft.com/office/drawing/2014/main" id="{EF64EA2C-4AF9-0D34-5E1D-1B09FC779C5E}"/>
               </a:ext>
             </a:extLst>
           </p:cNvPr>
@@ -2201,7 +2201,7 @@
           <p:cNvPr id="3" name="Segnaposto contenuto 2">
             <a:extLst>
               <a:ext uri="{FF2B5EF4-FFF2-40B4-BE49-F238E27FC236}">
-                <a16:creationId xmlns:a16="http://schemas.microsoft.com/office/drawing/2014/main" id="{21893278-B68B-C3DC-5072-BD1D4D52F224}"/>
+                <a16:creationId xmlns:a16="http://schemas.microsoft.com/office/drawing/2014/main" id="{CD5CD247-BCE4-FBC9-0ADD-08A060777FD6}"/>
               </a:ext>
             </a:extLst>
           </p:cNvPr>
@@ -2291,7 +2291,7 @@
           <p:cNvPr id="4" name="Segnaposto testo 3">
             <a:extLst>
               <a:ext uri="{FF2B5EF4-FFF2-40B4-BE49-F238E27FC236}">
-                <a16:creationId xmlns:a16="http://schemas.microsoft.com/office/drawing/2014/main" id="{7C85387D-B445-3260-B91D-56E5D08B1061}"/>
+                <a16:creationId xmlns:a16="http://schemas.microsoft.com/office/drawing/2014/main" id="{F2924DF1-C2C8-A640-EC08-240C285D9BA5}"/>
               </a:ext>
             </a:extLst>
           </p:cNvPr>
@@ -2362,7 +2362,7 @@
           <p:cNvPr id="5" name="Segnaposto data 4">
             <a:extLst>
               <a:ext uri="{FF2B5EF4-FFF2-40B4-BE49-F238E27FC236}">
-                <a16:creationId xmlns:a16="http://schemas.microsoft.com/office/drawing/2014/main" id="{05888EA4-1A8E-D9BC-819C-EA89F01E8C32}"/>
+                <a16:creationId xmlns:a16="http://schemas.microsoft.com/office/drawing/2014/main" id="{11E6EC91-D206-30E9-38FD-B373DC02E898}"/>
               </a:ext>
             </a:extLst>
           </p:cNvPr>
@@ -2378,9 +2378,9 @@
           <a:bodyPr/>
           <a:lstStyle/>
           <a:p>
-            <a:fld id="{A4CA3AA4-6A25-4603-AA85-46878A907124}" type="datetimeFigureOut">
+            <a:fld id="{88C687E7-504C-463E-A938-E97E3F497B8F}" type="datetimeFigureOut">
               <a:rPr lang="it-IT" smtClean="0"/>
-              <a:t>09/02/2023</a:t>
+              <a:t>21/02/2023</a:t>
             </a:fld>
             <a:endParaRPr lang="it-IT"/>
           </a:p>
@@ -2391,7 +2391,7 @@
           <p:cNvPr id="6" name="Segnaposto piè di pagina 5">
             <a:extLst>
               <a:ext uri="{FF2B5EF4-FFF2-40B4-BE49-F238E27FC236}">
-                <a16:creationId xmlns:a16="http://schemas.microsoft.com/office/drawing/2014/main" id="{F5ECB765-6C5B-EF9D-63E1-D0CDE67BCF0A}"/>
+                <a16:creationId xmlns:a16="http://schemas.microsoft.com/office/drawing/2014/main" id="{ED43BA33-AFA0-D05C-8F87-0155CA220243}"/>
               </a:ext>
             </a:extLst>
           </p:cNvPr>
@@ -2416,7 +2416,7 @@
           <p:cNvPr id="7" name="Segnaposto numero diapositiva 6">
             <a:extLst>
               <a:ext uri="{FF2B5EF4-FFF2-40B4-BE49-F238E27FC236}">
-                <a16:creationId xmlns:a16="http://schemas.microsoft.com/office/drawing/2014/main" id="{33FC435B-8E73-66F9-C384-BFC695F04FC9}"/>
+                <a16:creationId xmlns:a16="http://schemas.microsoft.com/office/drawing/2014/main" id="{B02F3653-99E7-E177-B107-BCD80E7434D9}"/>
               </a:ext>
             </a:extLst>
           </p:cNvPr>
@@ -2432,7 +2432,7 @@
           <a:bodyPr/>
           <a:lstStyle/>
           <a:p>
-            <a:fld id="{5BFBA4A6-120E-4EF9-8F46-201EB0EB50B8}" type="slidenum">
+            <a:fld id="{D5960013-E842-424F-A943-58D928E9A684}" type="slidenum">
               <a:rPr lang="it-IT" smtClean="0"/>
               <a:t>‹N›</a:t>
             </a:fld>
@@ -2443,7 +2443,7 @@
     </p:spTree>
     <p:extLst>
       <p:ext uri="{BB962C8B-B14F-4D97-AF65-F5344CB8AC3E}">
-        <p14:creationId xmlns:p14="http://schemas.microsoft.com/office/powerpoint/2010/main" val="2030071645"/>
+        <p14:creationId xmlns:p14="http://schemas.microsoft.com/office/powerpoint/2010/main" val="243128166"/>
       </p:ext>
     </p:extLst>
   </p:cSld>
@@ -2475,7 +2475,7 @@
           <p:cNvPr id="2" name="Titolo 1">
             <a:extLst>
               <a:ext uri="{FF2B5EF4-FFF2-40B4-BE49-F238E27FC236}">
-                <a16:creationId xmlns:a16="http://schemas.microsoft.com/office/drawing/2014/main" id="{979BA16B-12BB-2E45-E141-EC336E402361}"/>
+                <a16:creationId xmlns:a16="http://schemas.microsoft.com/office/drawing/2014/main" id="{7D64BA21-0A26-9B65-03C8-E49362B3D8C8}"/>
               </a:ext>
             </a:extLst>
           </p:cNvPr>
@@ -2512,7 +2512,7 @@
           <p:cNvPr id="3" name="Segnaposto immagine 2">
             <a:extLst>
               <a:ext uri="{FF2B5EF4-FFF2-40B4-BE49-F238E27FC236}">
-                <a16:creationId xmlns:a16="http://schemas.microsoft.com/office/drawing/2014/main" id="{66DCD3F6-7111-5001-777A-09094F5FAE10}"/>
+                <a16:creationId xmlns:a16="http://schemas.microsoft.com/office/drawing/2014/main" id="{48791FA8-CA7B-1B6A-033C-B6ECF8FFA804}"/>
               </a:ext>
             </a:extLst>
           </p:cNvPr>
@@ -2579,7 +2579,7 @@
           <p:cNvPr id="4" name="Segnaposto testo 3">
             <a:extLst>
               <a:ext uri="{FF2B5EF4-FFF2-40B4-BE49-F238E27FC236}">
-                <a16:creationId xmlns:a16="http://schemas.microsoft.com/office/drawing/2014/main" id="{EB9D8EFC-B39B-D6FC-13D2-93330E1CC69D}"/>
+                <a16:creationId xmlns:a16="http://schemas.microsoft.com/office/drawing/2014/main" id="{53DBD494-FA14-3552-75A8-A869352C4E89}"/>
               </a:ext>
             </a:extLst>
           </p:cNvPr>
@@ -2650,7 +2650,7 @@
           <p:cNvPr id="5" name="Segnaposto data 4">
             <a:extLst>
               <a:ext uri="{FF2B5EF4-FFF2-40B4-BE49-F238E27FC236}">
-                <a16:creationId xmlns:a16="http://schemas.microsoft.com/office/drawing/2014/main" id="{E3EBAEA6-6C35-3807-F7DB-E6924D100BDE}"/>
+                <a16:creationId xmlns:a16="http://schemas.microsoft.com/office/drawing/2014/main" id="{55175B07-E78C-C4BC-879E-151EE1AFD9F0}"/>
               </a:ext>
             </a:extLst>
           </p:cNvPr>
@@ -2666,9 +2666,9 @@
           <a:bodyPr/>
           <a:lstStyle/>
           <a:p>
-            <a:fld id="{A4CA3AA4-6A25-4603-AA85-46878A907124}" type="datetimeFigureOut">
+            <a:fld id="{88C687E7-504C-463E-A938-E97E3F497B8F}" type="datetimeFigureOut">
               <a:rPr lang="it-IT" smtClean="0"/>
-              <a:t>09/02/2023</a:t>
+              <a:t>21/02/2023</a:t>
             </a:fld>
             <a:endParaRPr lang="it-IT"/>
           </a:p>
@@ -2679,7 +2679,7 @@
           <p:cNvPr id="6" name="Segnaposto piè di pagina 5">
             <a:extLst>
               <a:ext uri="{FF2B5EF4-FFF2-40B4-BE49-F238E27FC236}">
-                <a16:creationId xmlns:a16="http://schemas.microsoft.com/office/drawing/2014/main" id="{8DA36904-CE71-C7AE-C9CB-B246F8BC0FC1}"/>
+                <a16:creationId xmlns:a16="http://schemas.microsoft.com/office/drawing/2014/main" id="{35344280-ED87-0D2A-D7D2-CB5E7DB0A5F4}"/>
               </a:ext>
             </a:extLst>
           </p:cNvPr>
@@ -2704,7 +2704,7 @@
           <p:cNvPr id="7" name="Segnaposto numero diapositiva 6">
             <a:extLst>
               <a:ext uri="{FF2B5EF4-FFF2-40B4-BE49-F238E27FC236}">
-                <a16:creationId xmlns:a16="http://schemas.microsoft.com/office/drawing/2014/main" id="{FE12EA66-369C-8788-0448-1A2528CCA777}"/>
+                <a16:creationId xmlns:a16="http://schemas.microsoft.com/office/drawing/2014/main" id="{7E730B87-F211-2F16-6BD3-15360EA44201}"/>
               </a:ext>
             </a:extLst>
           </p:cNvPr>
@@ -2720,7 +2720,7 @@
           <a:bodyPr/>
           <a:lstStyle/>
           <a:p>
-            <a:fld id="{5BFBA4A6-120E-4EF9-8F46-201EB0EB50B8}" type="slidenum">
+            <a:fld id="{D5960013-E842-424F-A943-58D928E9A684}" type="slidenum">
               <a:rPr lang="it-IT" smtClean="0"/>
               <a:t>‹N›</a:t>
             </a:fld>
@@ -2731,7 +2731,7 @@
     </p:spTree>
     <p:extLst>
       <p:ext uri="{BB962C8B-B14F-4D97-AF65-F5344CB8AC3E}">
-        <p14:creationId xmlns:p14="http://schemas.microsoft.com/office/powerpoint/2010/main" val="1372732106"/>
+        <p14:creationId xmlns:p14="http://schemas.microsoft.com/office/powerpoint/2010/main" val="4181146833"/>
       </p:ext>
     </p:extLst>
   </p:cSld>
@@ -2745,9 +2745,12 @@
 <p:sldMaster xmlns:a="http://schemas.openxmlformats.org/drawingml/2006/main" xmlns:r="http://schemas.openxmlformats.org/officeDocument/2006/relationships" xmlns:p="http://schemas.openxmlformats.org/presentationml/2006/main">
   <p:cSld>
     <p:bg>
-      <p:bgRef idx="1001">
-        <a:schemeClr val="bg1"/>
-      </p:bgRef>
+      <p:bgPr>
+        <a:solidFill>
+          <a:schemeClr val="bg1"/>
+        </a:solidFill>
+        <a:effectLst/>
+      </p:bgPr>
     </p:bg>
     <p:spTree>
       <p:nvGrpSpPr>
@@ -2768,7 +2771,7 @@
           <p:cNvPr id="2" name="Segnaposto titolo 1">
             <a:extLst>
               <a:ext uri="{FF2B5EF4-FFF2-40B4-BE49-F238E27FC236}">
-                <a16:creationId xmlns:a16="http://schemas.microsoft.com/office/drawing/2014/main" id="{180FB715-1F7A-54C4-A6B3-D30804DCDF8C}"/>
+                <a16:creationId xmlns:a16="http://schemas.microsoft.com/office/drawing/2014/main" id="{EEAAD47E-D725-9686-51AC-DB18B26D5C33}"/>
               </a:ext>
             </a:extLst>
           </p:cNvPr>
@@ -2806,7 +2809,7 @@
           <p:cNvPr id="3" name="Segnaposto testo 2">
             <a:extLst>
               <a:ext uri="{FF2B5EF4-FFF2-40B4-BE49-F238E27FC236}">
-                <a16:creationId xmlns:a16="http://schemas.microsoft.com/office/drawing/2014/main" id="{48FF0A40-13D9-A0F5-6635-A238832F2FD9}"/>
+                <a16:creationId xmlns:a16="http://schemas.microsoft.com/office/drawing/2014/main" id="{E0C54AB9-D341-9CFE-8C7A-7B602601347B}"/>
               </a:ext>
             </a:extLst>
           </p:cNvPr>
@@ -2873,7 +2876,7 @@
           <p:cNvPr id="4" name="Segnaposto data 3">
             <a:extLst>
               <a:ext uri="{FF2B5EF4-FFF2-40B4-BE49-F238E27FC236}">
-                <a16:creationId xmlns:a16="http://schemas.microsoft.com/office/drawing/2014/main" id="{650EECC8-6C6D-3652-638F-24B5C6A4C31B}"/>
+                <a16:creationId xmlns:a16="http://schemas.microsoft.com/office/drawing/2014/main" id="{21201E81-EABF-2A6D-FE34-279A40CC999E}"/>
               </a:ext>
             </a:extLst>
           </p:cNvPr>
@@ -2907,9 +2910,9 @@
             </a:lvl1pPr>
           </a:lstStyle>
           <a:p>
-            <a:fld id="{A4CA3AA4-6A25-4603-AA85-46878A907124}" type="datetimeFigureOut">
+            <a:fld id="{88C687E7-504C-463E-A938-E97E3F497B8F}" type="datetimeFigureOut">
               <a:rPr lang="it-IT" smtClean="0"/>
-              <a:t>09/02/2023</a:t>
+              <a:t>21/02/2023</a:t>
             </a:fld>
             <a:endParaRPr lang="it-IT"/>
           </a:p>
@@ -2920,7 +2923,7 @@
           <p:cNvPr id="5" name="Segnaposto piè di pagina 4">
             <a:extLst>
               <a:ext uri="{FF2B5EF4-FFF2-40B4-BE49-F238E27FC236}">
-                <a16:creationId xmlns:a16="http://schemas.microsoft.com/office/drawing/2014/main" id="{DD04E5B3-A6B2-BE13-0481-6B8150045DAE}"/>
+                <a16:creationId xmlns:a16="http://schemas.microsoft.com/office/drawing/2014/main" id="{650C0C69-9C6D-DFEA-ABC2-875564381569}"/>
               </a:ext>
             </a:extLst>
           </p:cNvPr>
@@ -2963,7 +2966,7 @@
           <p:cNvPr id="6" name="Segnaposto numero diapositiva 5">
             <a:extLst>
               <a:ext uri="{FF2B5EF4-FFF2-40B4-BE49-F238E27FC236}">
-                <a16:creationId xmlns:a16="http://schemas.microsoft.com/office/drawing/2014/main" id="{C0EB0AAF-4893-0ADD-601B-9B1BD71B16EE}"/>
+                <a16:creationId xmlns:a16="http://schemas.microsoft.com/office/drawing/2014/main" id="{E95F71F3-A2F2-14D4-0843-C13BA4BEB577}"/>
               </a:ext>
             </a:extLst>
           </p:cNvPr>
@@ -2997,7 +3000,7 @@
             </a:lvl1pPr>
           </a:lstStyle>
           <a:p>
-            <a:fld id="{5BFBA4A6-120E-4EF9-8F46-201EB0EB50B8}" type="slidenum">
+            <a:fld id="{D5960013-E842-424F-A943-58D928E9A684}" type="slidenum">
               <a:rPr lang="it-IT" smtClean="0"/>
               <a:t>‹N›</a:t>
             </a:fld>
@@ -3008,7 +3011,7 @@
     </p:spTree>
     <p:extLst>
       <p:ext uri="{BB962C8B-B14F-4D97-AF65-F5344CB8AC3E}">
-        <p14:creationId xmlns:p14="http://schemas.microsoft.com/office/powerpoint/2010/main" val="3700935575"/>
+        <p14:creationId xmlns:p14="http://schemas.microsoft.com/office/powerpoint/2010/main" val="479760808"/>
       </p:ext>
     </p:extLst>
   </p:cSld>
@@ -3312,14 +3315,6 @@
 <file path=ppt/slides/slide1.xml><?xml version="1.0" encoding="utf-8"?>
 <p:sld xmlns:a="http://schemas.openxmlformats.org/drawingml/2006/main" xmlns:r="http://schemas.openxmlformats.org/officeDocument/2006/relationships" xmlns:p="http://schemas.openxmlformats.org/presentationml/2006/main">
   <p:cSld>
-    <p:bg>
-      <p:bgPr>
-        <a:solidFill>
-          <a:schemeClr val="bg1"/>
-        </a:solidFill>
-        <a:effectLst/>
-      </p:bgPr>
-    </p:bg>
     <p:spTree>
       <p:nvGrpSpPr>
         <p:cNvPr id="1" name=""/>
@@ -3334,12 +3329,12 @@
           <a:chExt cx="0" cy="0"/>
         </a:xfrm>
       </p:grpSpPr>
-      <p:sp useBgFill="1">
-        <p:nvSpPr>
-          <p:cNvPr id="14" name="Rectangle 13">
-            <a:extLst>
-              <a:ext uri="{FF2B5EF4-FFF2-40B4-BE49-F238E27FC236}">
-                <a16:creationId xmlns:a16="http://schemas.microsoft.com/office/drawing/2014/main" id="{42A4FC2C-047E-45A5-965D-8E1E3BF09BC6}"/>
+      <p:sp>
+        <p:nvSpPr>
+          <p:cNvPr id="25" name="Rectangle 24">
+            <a:extLst>
+              <a:ext uri="{FF2B5EF4-FFF2-40B4-BE49-F238E27FC236}">
+                <a16:creationId xmlns:a16="http://schemas.microsoft.com/office/drawing/2014/main" id="{9527FCEA-6143-4C5E-8C45-8AC9237ADE89}"/>
               </a:ext>
               <a:ext uri="{C183D7F6-B498-43B3-948B-1728B52AA6E4}">
                 <adec:decorative xmlns:adec="http://schemas.microsoft.com/office/drawing/2017/decorative" val="1"/>
@@ -3357,14 +3352,21 @@
             </p:extLst>
           </p:nvPr>
         </p:nvSpPr>
-        <p:spPr bwMode="white">
+        <p:spPr>
           <a:xfrm>
-            <a:off x="1524" y="0"/>
-            <a:ext cx="12188952" cy="6858000"/>
+            <a:off x="0" y="0"/>
+            <a:ext cx="12192000" cy="6858000"/>
           </a:xfrm>
           <a:prstGeom prst="rect">
             <a:avLst/>
           </a:prstGeom>
+          <a:solidFill>
+            <a:schemeClr val="tx1">
+              <a:lumMod val="50000"/>
+              <a:lumOff val="50000"/>
+              <a:alpha val="30000"/>
+            </a:schemeClr>
+          </a:solidFill>
           <a:ln>
             <a:noFill/>
           </a:ln>
@@ -3387,340 +3389,56 @@
         </p:style>
         <p:txBody>
           <a:bodyPr rtlCol="0" anchor="ctr"/>
-          <a:lstStyle>
-            <a:defPPr>
-              <a:defRPr lang="en-US"/>
-            </a:defPPr>
-            <a:lvl1pPr marL="0" algn="l" defTabSz="914400" rtl="0" eaLnBrk="1" latinLnBrk="0" hangingPunct="1">
-              <a:defRPr sz="1800" kern="1200">
-                <a:solidFill>
-                  <a:schemeClr val="lt1"/>
-                </a:solidFill>
-                <a:latin typeface="+mn-lt"/>
-                <a:ea typeface="+mn-ea"/>
-                <a:cs typeface="+mn-cs"/>
-              </a:defRPr>
-            </a:lvl1pPr>
-            <a:lvl2pPr marL="457200" algn="l" defTabSz="914400" rtl="0" eaLnBrk="1" latinLnBrk="0" hangingPunct="1">
-              <a:defRPr sz="1800" kern="1200">
-                <a:solidFill>
-                  <a:schemeClr val="lt1"/>
-                </a:solidFill>
-                <a:latin typeface="+mn-lt"/>
-                <a:ea typeface="+mn-ea"/>
-                <a:cs typeface="+mn-cs"/>
-              </a:defRPr>
-            </a:lvl2pPr>
-            <a:lvl3pPr marL="914400" algn="l" defTabSz="914400" rtl="0" eaLnBrk="1" latinLnBrk="0" hangingPunct="1">
-              <a:defRPr sz="1800" kern="1200">
-                <a:solidFill>
-                  <a:schemeClr val="lt1"/>
-                </a:solidFill>
-                <a:latin typeface="+mn-lt"/>
-                <a:ea typeface="+mn-ea"/>
-                <a:cs typeface="+mn-cs"/>
-              </a:defRPr>
-            </a:lvl3pPr>
-            <a:lvl4pPr marL="1371600" algn="l" defTabSz="914400" rtl="0" eaLnBrk="1" latinLnBrk="0" hangingPunct="1">
-              <a:defRPr sz="1800" kern="1200">
-                <a:solidFill>
-                  <a:schemeClr val="lt1"/>
-                </a:solidFill>
-                <a:latin typeface="+mn-lt"/>
-                <a:ea typeface="+mn-ea"/>
-                <a:cs typeface="+mn-cs"/>
-              </a:defRPr>
-            </a:lvl4pPr>
-            <a:lvl5pPr marL="1828800" algn="l" defTabSz="914400" rtl="0" eaLnBrk="1" latinLnBrk="0" hangingPunct="1">
-              <a:defRPr sz="1800" kern="1200">
-                <a:solidFill>
-                  <a:schemeClr val="lt1"/>
-                </a:solidFill>
-                <a:latin typeface="+mn-lt"/>
-                <a:ea typeface="+mn-ea"/>
-                <a:cs typeface="+mn-cs"/>
-              </a:defRPr>
-            </a:lvl5pPr>
-            <a:lvl6pPr marL="2286000" algn="l" defTabSz="914400" rtl="0" eaLnBrk="1" latinLnBrk="0" hangingPunct="1">
-              <a:defRPr sz="1800" kern="1200">
-                <a:solidFill>
-                  <a:schemeClr val="lt1"/>
-                </a:solidFill>
-                <a:latin typeface="+mn-lt"/>
-                <a:ea typeface="+mn-ea"/>
-                <a:cs typeface="+mn-cs"/>
-              </a:defRPr>
-            </a:lvl6pPr>
-            <a:lvl7pPr marL="2743200" algn="l" defTabSz="914400" rtl="0" eaLnBrk="1" latinLnBrk="0" hangingPunct="1">
-              <a:defRPr sz="1800" kern="1200">
-                <a:solidFill>
-                  <a:schemeClr val="lt1"/>
-                </a:solidFill>
-                <a:latin typeface="+mn-lt"/>
-                <a:ea typeface="+mn-ea"/>
-                <a:cs typeface="+mn-cs"/>
-              </a:defRPr>
-            </a:lvl7pPr>
-            <a:lvl8pPr marL="3200400" algn="l" defTabSz="914400" rtl="0" eaLnBrk="1" latinLnBrk="0" hangingPunct="1">
-              <a:defRPr sz="1800" kern="1200">
-                <a:solidFill>
-                  <a:schemeClr val="lt1"/>
-                </a:solidFill>
-                <a:latin typeface="+mn-lt"/>
-                <a:ea typeface="+mn-ea"/>
-                <a:cs typeface="+mn-cs"/>
-              </a:defRPr>
-            </a:lvl8pPr>
-            <a:lvl9pPr marL="3657600" algn="l" defTabSz="914400" rtl="0" eaLnBrk="1" latinLnBrk="0" hangingPunct="1">
-              <a:defRPr sz="1800" kern="1200">
-                <a:solidFill>
-                  <a:schemeClr val="lt1"/>
-                </a:solidFill>
-                <a:latin typeface="+mn-lt"/>
-                <a:ea typeface="+mn-ea"/>
-                <a:cs typeface="+mn-cs"/>
-              </a:defRPr>
-            </a:lvl9pPr>
-          </a:lstStyle>
+          <a:lstStyle/>
           <a:p>
             <a:pPr algn="ctr"/>
             <a:endParaRPr lang="en-US"/>
           </a:p>
         </p:txBody>
       </p:sp>
-      <p:pic>
-        <p:nvPicPr>
-          <p:cNvPr id="5" name="Immagine 4" descr="Immagine che contiene testo, strumento scrittorio, spillo, matita&#10;&#10;Descrizione generata automaticamente">
-            <a:extLst>
-              <a:ext uri="{FF2B5EF4-FFF2-40B4-BE49-F238E27FC236}">
-                <a16:creationId xmlns:a16="http://schemas.microsoft.com/office/drawing/2014/main" id="{013B6B79-E1C2-AEDA-3F71-5DDCEC277E7C}"/>
-              </a:ext>
-            </a:extLst>
-          </p:cNvPr>
-          <p:cNvPicPr>
-            <a:picLocks noChangeAspect="1"/>
-          </p:cNvPicPr>
-          <p:nvPr/>
-        </p:nvPicPr>
-        <p:blipFill rotWithShape="1">
-          <a:blip r:embed="rId2">
-            <a:extLst>
-              <a:ext uri="{28A0092B-C50C-407E-A947-70E740481C1C}">
-                <a14:useLocalDpi xmlns:a14="http://schemas.microsoft.com/office/drawing/2010/main" val="0"/>
-              </a:ext>
-            </a:extLst>
-          </a:blip>
-          <a:srcRect l="6483" r="8415" b="10433"/>
-          <a:stretch/>
-        </p:blipFill>
+      <p:sp>
+        <p:nvSpPr>
+          <p:cNvPr id="27" name="Rectangle 26">
+            <a:extLst>
+              <a:ext uri="{FF2B5EF4-FFF2-40B4-BE49-F238E27FC236}">
+                <a16:creationId xmlns:a16="http://schemas.microsoft.com/office/drawing/2014/main" id="{1A9F23AD-7A55-49F3-A3EC-743F47F36B0E}"/>
+              </a:ext>
+              <a:ext uri="{C183D7F6-B498-43B3-948B-1728B52AA6E4}">
+                <adec:decorative xmlns:adec="http://schemas.microsoft.com/office/drawing/2017/decorative" val="1"/>
+              </a:ext>
+            </a:extLst>
+          </p:cNvPr>
+          <p:cNvSpPr>
+            <a:spLocks noGrp="1" noRot="1" noChangeAspect="1" noMove="1" noResize="1" noEditPoints="1" noAdjustHandles="1" noChangeArrowheads="1" noChangeShapeType="1" noTextEdit="1"/>
+          </p:cNvSpPr>
+          <p:nvPr>
+            <p:extLst>
+              <p:ext uri="{386F3935-93C4-4BCD-93E2-E3B085C9AB24}">
+                <p16:designElem xmlns:p16="http://schemas.microsoft.com/office/powerpoint/2015/main" val="1"/>
+              </p:ext>
+            </p:extLst>
+          </p:nvPr>
+        </p:nvSpPr>
         <p:spPr>
           <a:xfrm>
-            <a:off x="7410941" y="3443388"/>
-            <a:ext cx="4768132" cy="3349772"/>
+            <a:off x="477012" y="487090"/>
+            <a:ext cx="6741849" cy="5897880"/>
           </a:xfrm>
           <a:prstGeom prst="rect">
             <a:avLst/>
           </a:prstGeom>
-        </p:spPr>
-      </p:pic>
-      <p:pic>
-        <p:nvPicPr>
-          <p:cNvPr id="7" name="Immagine 6">
-            <a:extLst>
-              <a:ext uri="{FF2B5EF4-FFF2-40B4-BE49-F238E27FC236}">
-                <a16:creationId xmlns:a16="http://schemas.microsoft.com/office/drawing/2014/main" id="{8A9749B3-9B27-188A-3ED1-F07230172549}"/>
-              </a:ext>
-            </a:extLst>
-          </p:cNvPr>
-          <p:cNvPicPr>
-            <a:picLocks noChangeAspect="1"/>
-          </p:cNvPicPr>
-          <p:nvPr/>
-        </p:nvPicPr>
-        <p:blipFill rotWithShape="1">
-          <a:blip r:embed="rId3">
-            <a:extLst>
-              <a:ext uri="{28A0092B-C50C-407E-A947-70E740481C1C}">
-                <a14:useLocalDpi xmlns:a14="http://schemas.microsoft.com/office/drawing/2010/main" val="0"/>
-              </a:ext>
-            </a:extLst>
-          </a:blip>
-          <a:srcRect l="7298" t="477" r="8031" b="10533"/>
-          <a:stretch/>
-        </p:blipFill>
-        <p:spPr>
-          <a:xfrm>
-            <a:off x="7417198" y="1"/>
-            <a:ext cx="4774802" cy="3349772"/>
-          </a:xfrm>
-          <a:prstGeom prst="rect">
-            <a:avLst/>
-          </a:prstGeom>
-        </p:spPr>
-      </p:pic>
-      <p:pic>
-        <p:nvPicPr>
-          <p:cNvPr id="9" name="Immagine 8">
-            <a:extLst>
-              <a:ext uri="{FF2B5EF4-FFF2-40B4-BE49-F238E27FC236}">
-                <a16:creationId xmlns:a16="http://schemas.microsoft.com/office/drawing/2014/main" id="{3667CDC2-993D-B211-D3B6-95597266E891}"/>
-              </a:ext>
-            </a:extLst>
-          </p:cNvPr>
-          <p:cNvPicPr>
-            <a:picLocks noChangeAspect="1"/>
-          </p:cNvPicPr>
-          <p:nvPr/>
-        </p:nvPicPr>
-        <p:blipFill rotWithShape="1">
-          <a:blip r:embed="rId4">
-            <a:extLst>
-              <a:ext uri="{28A0092B-C50C-407E-A947-70E740481C1C}">
-                <a14:useLocalDpi xmlns:a14="http://schemas.microsoft.com/office/drawing/2010/main" val="0"/>
-              </a:ext>
-            </a:extLst>
-          </a:blip>
-          <a:srcRect l="6772" t="-572" r="8299" b="8165"/>
-          <a:stretch/>
-        </p:blipFill>
-        <p:spPr>
-          <a:xfrm>
-            <a:off x="12927" y="823913"/>
-            <a:ext cx="7173826" cy="5210174"/>
-          </a:xfrm>
-          <a:prstGeom prst="rect">
-            <a:avLst/>
-          </a:prstGeom>
-        </p:spPr>
-      </p:pic>
-      <p:sp>
-        <p:nvSpPr>
-          <p:cNvPr id="10" name="Ovale 9">
-            <a:extLst>
-              <a:ext uri="{FF2B5EF4-FFF2-40B4-BE49-F238E27FC236}">
-                <a16:creationId xmlns:a16="http://schemas.microsoft.com/office/drawing/2014/main" id="{37427DC5-34E1-461C-0239-6D2E0C54AA97}"/>
-              </a:ext>
-            </a:extLst>
-          </p:cNvPr>
-          <p:cNvSpPr/>
-          <p:nvPr/>
-        </p:nvSpPr>
-        <p:spPr>
-          <a:xfrm>
-            <a:off x="8724900" y="2286000"/>
-            <a:ext cx="390525" cy="323850"/>
-          </a:xfrm>
-          <a:prstGeom prst="ellipse">
-            <a:avLst/>
-          </a:prstGeom>
-          <a:noFill/>
-          <a:ln>
+          <a:solidFill>
+            <a:srgbClr val="FFFFFF"/>
+          </a:solidFill>
+          <a:ln w="19050">
             <a:solidFill>
-              <a:srgbClr val="FF0000"/>
+              <a:schemeClr val="tx1">
+                <a:lumMod val="50000"/>
+                <a:lumOff val="50000"/>
+                <a:alpha val="80000"/>
+              </a:schemeClr>
             </a:solidFill>
           </a:ln>
-        </p:spPr>
-        <p:style>
-          <a:lnRef idx="2">
-            <a:schemeClr val="accent6"/>
-          </a:lnRef>
-          <a:fillRef idx="1">
-            <a:schemeClr val="lt1"/>
-          </a:fillRef>
-          <a:effectRef idx="0">
-            <a:schemeClr val="accent6"/>
-          </a:effectRef>
-          <a:fontRef idx="minor">
-            <a:schemeClr val="dk1"/>
-          </a:fontRef>
-        </p:style>
-        <p:txBody>
-          <a:bodyPr rtlCol="0" anchor="ctr"/>
-          <a:lstStyle/>
-          <a:p>
-            <a:pPr algn="ctr"/>
-            <a:endParaRPr lang="it-IT"/>
-          </a:p>
-        </p:txBody>
-      </p:sp>
-      <p:sp>
-        <p:nvSpPr>
-          <p:cNvPr id="11" name="Rettangolo 10">
-            <a:extLst>
-              <a:ext uri="{FF2B5EF4-FFF2-40B4-BE49-F238E27FC236}">
-                <a16:creationId xmlns:a16="http://schemas.microsoft.com/office/drawing/2014/main" id="{F92D34B5-9B49-226C-41E6-9FA9B11F7258}"/>
-              </a:ext>
-            </a:extLst>
-          </p:cNvPr>
-          <p:cNvSpPr/>
-          <p:nvPr/>
-        </p:nvSpPr>
-        <p:spPr>
-          <a:xfrm>
-            <a:off x="9729926" y="2379216"/>
-            <a:ext cx="1047565" cy="230634"/>
-          </a:xfrm>
-          <a:prstGeom prst="rect">
-            <a:avLst/>
-          </a:prstGeom>
-          <a:noFill/>
-          <a:ln>
-            <a:solidFill>
-              <a:srgbClr val="FF0000"/>
-            </a:solidFill>
-          </a:ln>
-        </p:spPr>
-        <p:style>
-          <a:lnRef idx="2">
-            <a:schemeClr val="accent6"/>
-          </a:lnRef>
-          <a:fillRef idx="1">
-            <a:schemeClr val="lt1"/>
-          </a:fillRef>
-          <a:effectRef idx="0">
-            <a:schemeClr val="accent6"/>
-          </a:effectRef>
-          <a:fontRef idx="minor">
-            <a:schemeClr val="dk1"/>
-          </a:fontRef>
-        </p:style>
-        <p:txBody>
-          <a:bodyPr rtlCol="0" anchor="ctr"/>
-          <a:lstStyle/>
-          <a:p>
-            <a:pPr algn="ctr"/>
-            <a:endParaRPr lang="it-IT">
-              <a:noFill/>
-            </a:endParaRPr>
-          </a:p>
-        </p:txBody>
-      </p:sp>
-      <p:sp>
-        <p:nvSpPr>
-          <p:cNvPr id="12" name="Rettangolo con angoli arrotondati 11">
-            <a:extLst>
-              <a:ext uri="{FF2B5EF4-FFF2-40B4-BE49-F238E27FC236}">
-                <a16:creationId xmlns:a16="http://schemas.microsoft.com/office/drawing/2014/main" id="{F23AF813-4F3C-BCBA-1B51-257C7A13C785}"/>
-              </a:ext>
-            </a:extLst>
-          </p:cNvPr>
-          <p:cNvSpPr/>
-          <p:nvPr/>
-        </p:nvSpPr>
-        <p:spPr>
-          <a:xfrm>
-            <a:off x="452761" y="914400"/>
-            <a:ext cx="292963" cy="319596"/>
-          </a:xfrm>
-          <a:prstGeom prst="roundRect">
-            <a:avLst/>
-          </a:prstGeom>
-          <a:solidFill>
-            <a:schemeClr val="accent4">
-              <a:lumMod val="60000"/>
-              <a:lumOff val="40000"/>
-            </a:schemeClr>
-          </a:solidFill>
         </p:spPr>
         <p:style>
           <a:lnRef idx="2">
@@ -3743,43 +3461,53 @@
           <a:lstStyle/>
           <a:p>
             <a:pPr algn="ctr"/>
-            <a:r>
-              <a:rPr lang="it-IT" dirty="0">
-                <a:solidFill>
-                  <a:schemeClr val="tx1"/>
-                </a:solidFill>
-              </a:rPr>
-              <a:t>a</a:t>
-            </a:r>
-          </a:p>
-        </p:txBody>
-      </p:sp>
-      <p:sp>
-        <p:nvSpPr>
-          <p:cNvPr id="13" name="Rettangolo con angoli arrotondati 12">
-            <a:extLst>
-              <a:ext uri="{FF2B5EF4-FFF2-40B4-BE49-F238E27FC236}">
-                <a16:creationId xmlns:a16="http://schemas.microsoft.com/office/drawing/2014/main" id="{1B4735EC-04DD-1E28-31C8-A92D88464453}"/>
-              </a:ext>
-            </a:extLst>
-          </p:cNvPr>
-          <p:cNvSpPr/>
-          <p:nvPr/>
+            <a:endParaRPr lang="en-US"/>
+          </a:p>
+        </p:txBody>
+      </p:sp>
+      <p:sp>
+        <p:nvSpPr>
+          <p:cNvPr id="29" name="Rectangle 28">
+            <a:extLst>
+              <a:ext uri="{FF2B5EF4-FFF2-40B4-BE49-F238E27FC236}">
+                <a16:creationId xmlns:a16="http://schemas.microsoft.com/office/drawing/2014/main" id="{D7D9F91F-72C9-4DB9-ABD0-A8180D8262D5}"/>
+              </a:ext>
+              <a:ext uri="{C183D7F6-B498-43B3-948B-1728B52AA6E4}">
+                <adec:decorative xmlns:adec="http://schemas.microsoft.com/office/drawing/2017/decorative" val="1"/>
+              </a:ext>
+            </a:extLst>
+          </p:cNvPr>
+          <p:cNvSpPr>
+            <a:spLocks noGrp="1" noRot="1" noChangeAspect="1" noMove="1" noResize="1" noEditPoints="1" noAdjustHandles="1" noChangeArrowheads="1" noChangeShapeType="1" noTextEdit="1"/>
+          </p:cNvSpPr>
+          <p:nvPr>
+            <p:extLst>
+              <p:ext uri="{386F3935-93C4-4BCD-93E2-E3B085C9AB24}">
+                <p16:designElem xmlns:p16="http://schemas.microsoft.com/office/powerpoint/2015/main" val="1"/>
+              </p:ext>
+            </p:extLst>
+          </p:nvPr>
         </p:nvSpPr>
         <p:spPr>
           <a:xfrm>
-            <a:off x="7698418" y="60432"/>
-            <a:ext cx="292963" cy="319596"/>
+            <a:off x="7534655" y="480060"/>
+            <a:ext cx="4180332" cy="2788074"/>
           </a:xfrm>
-          <a:prstGeom prst="roundRect">
+          <a:prstGeom prst="rect">
             <a:avLst/>
           </a:prstGeom>
           <a:solidFill>
-            <a:schemeClr val="accent4">
-              <a:lumMod val="60000"/>
-              <a:lumOff val="40000"/>
-            </a:schemeClr>
+            <a:srgbClr val="FFFFFF"/>
           </a:solidFill>
+          <a:ln w="19050">
+            <a:solidFill>
+              <a:schemeClr val="tx1">
+                <a:lumMod val="50000"/>
+                <a:lumOff val="50000"/>
+                <a:alpha val="80000"/>
+              </a:schemeClr>
+            </a:solidFill>
+          </a:ln>
         </p:spPr>
         <p:style>
           <a:lnRef idx="2">
@@ -3802,43 +3530,53 @@
           <a:lstStyle/>
           <a:p>
             <a:pPr algn="ctr"/>
-            <a:r>
-              <a:rPr lang="it-IT" dirty="0">
-                <a:solidFill>
-                  <a:schemeClr val="tx1"/>
-                </a:solidFill>
-              </a:rPr>
-              <a:t>b</a:t>
-            </a:r>
-          </a:p>
-        </p:txBody>
-      </p:sp>
-      <p:sp>
-        <p:nvSpPr>
-          <p:cNvPr id="15" name="Rettangolo con angoli arrotondati 14">
-            <a:extLst>
-              <a:ext uri="{FF2B5EF4-FFF2-40B4-BE49-F238E27FC236}">
-                <a16:creationId xmlns:a16="http://schemas.microsoft.com/office/drawing/2014/main" id="{C7CF7103-3F06-C584-4546-B711806DA877}"/>
-              </a:ext>
-            </a:extLst>
-          </p:cNvPr>
-          <p:cNvSpPr/>
-          <p:nvPr/>
+            <a:endParaRPr lang="en-US"/>
+          </a:p>
+        </p:txBody>
+      </p:sp>
+      <p:sp>
+        <p:nvSpPr>
+          <p:cNvPr id="31" name="Rectangle 30">
+            <a:extLst>
+              <a:ext uri="{FF2B5EF4-FFF2-40B4-BE49-F238E27FC236}">
+                <a16:creationId xmlns:a16="http://schemas.microsoft.com/office/drawing/2014/main" id="{BE016956-CE9F-4946-8834-A8BC3529D0F6}"/>
+              </a:ext>
+              <a:ext uri="{C183D7F6-B498-43B3-948B-1728B52AA6E4}">
+                <adec:decorative xmlns:adec="http://schemas.microsoft.com/office/drawing/2017/decorative" val="1"/>
+              </a:ext>
+            </a:extLst>
+          </p:cNvPr>
+          <p:cNvSpPr>
+            <a:spLocks noGrp="1" noRot="1" noChangeAspect="1" noMove="1" noResize="1" noEditPoints="1" noAdjustHandles="1" noChangeArrowheads="1" noChangeShapeType="1" noTextEdit="1"/>
+          </p:cNvSpPr>
+          <p:nvPr>
+            <p:extLst>
+              <p:ext uri="{386F3935-93C4-4BCD-93E2-E3B085C9AB24}">
+                <p16:designElem xmlns:p16="http://schemas.microsoft.com/office/powerpoint/2015/main" val="1"/>
+              </p:ext>
+            </p:extLst>
+          </p:nvPr>
         </p:nvSpPr>
         <p:spPr>
           <a:xfrm>
-            <a:off x="7698418" y="3446348"/>
-            <a:ext cx="292963" cy="319596"/>
+            <a:off x="7534655" y="3603670"/>
+            <a:ext cx="4180332" cy="2788074"/>
           </a:xfrm>
-          <a:prstGeom prst="roundRect">
+          <a:prstGeom prst="rect">
             <a:avLst/>
           </a:prstGeom>
           <a:solidFill>
-            <a:schemeClr val="accent4">
-              <a:lumMod val="60000"/>
-              <a:lumOff val="40000"/>
-            </a:schemeClr>
+            <a:srgbClr val="FFFFFF"/>
           </a:solidFill>
+          <a:ln w="19050">
+            <a:solidFill>
+              <a:schemeClr val="tx1">
+                <a:lumMod val="50000"/>
+                <a:lumOff val="50000"/>
+                <a:alpha val="80000"/>
+              </a:schemeClr>
+            </a:solidFill>
+          </a:ln>
         </p:spPr>
         <p:style>
           <a:lnRef idx="2">
@@ -3861,13 +3599,268 @@
           <a:lstStyle/>
           <a:p>
             <a:pPr algn="ctr"/>
-            <a:r>
-              <a:rPr lang="it-IT" dirty="0">
-                <a:solidFill>
-                  <a:schemeClr val="tx1"/>
-                </a:solidFill>
-              </a:rPr>
+            <a:endParaRPr lang="en-US"/>
+          </a:p>
+        </p:txBody>
+      </p:sp>
+      <p:pic>
+        <p:nvPicPr>
+          <p:cNvPr id="5" name="Immagine 4">
+            <a:extLst>
+              <a:ext uri="{FF2B5EF4-FFF2-40B4-BE49-F238E27FC236}">
+                <a16:creationId xmlns:a16="http://schemas.microsoft.com/office/drawing/2014/main" id="{D75F15A2-B135-C21D-450B-1EFC394AF562}"/>
+              </a:ext>
+            </a:extLst>
+          </p:cNvPr>
+          <p:cNvPicPr>
+            <a:picLocks noChangeAspect="1"/>
+          </p:cNvPicPr>
+          <p:nvPr/>
+        </p:nvPicPr>
+        <p:blipFill>
+          <a:blip r:embed="rId2">
+            <a:extLst>
+              <a:ext uri="{28A0092B-C50C-407E-A947-70E740481C1C}">
+                <a14:useLocalDpi xmlns:a14="http://schemas.microsoft.com/office/drawing/2010/main" val="0"/>
+              </a:ext>
+            </a:extLst>
+          </a:blip>
+          <a:stretch>
+            <a:fillRect/>
+          </a:stretch>
+        </p:blipFill>
+        <p:spPr>
+          <a:xfrm>
+            <a:off x="7695873" y="4217081"/>
+            <a:ext cx="3854945" cy="1561252"/>
+          </a:xfrm>
+          <a:prstGeom prst="rect">
+            <a:avLst/>
+          </a:prstGeom>
+        </p:spPr>
+      </p:pic>
+      <p:sp>
+        <p:nvSpPr>
+          <p:cNvPr id="7" name="Rettangolo con angoli arrotondati 6">
+            <a:extLst>
+              <a:ext uri="{FF2B5EF4-FFF2-40B4-BE49-F238E27FC236}">
+                <a16:creationId xmlns:a16="http://schemas.microsoft.com/office/drawing/2014/main" id="{2077CEFA-AD82-1D0C-9B7C-6E0D549ABECF}"/>
+              </a:ext>
+            </a:extLst>
+          </p:cNvPr>
+          <p:cNvSpPr/>
+          <p:nvPr/>
+        </p:nvSpPr>
+        <p:spPr>
+          <a:xfrm>
+            <a:off x="7537778" y="466256"/>
+            <a:ext cx="420550" cy="371311"/>
+          </a:xfrm>
+          <a:prstGeom prst="roundRect">
+            <a:avLst/>
+          </a:prstGeom>
+          <a:ln>
+            <a:solidFill>
+              <a:schemeClr val="tx1"/>
+            </a:solidFill>
+          </a:ln>
+        </p:spPr>
+        <p:style>
+          <a:lnRef idx="1">
+            <a:schemeClr val="accent4"/>
+          </a:lnRef>
+          <a:fillRef idx="2">
+            <a:schemeClr val="accent4"/>
+          </a:fillRef>
+          <a:effectRef idx="1">
+            <a:schemeClr val="accent4"/>
+          </a:effectRef>
+          <a:fontRef idx="minor">
+            <a:schemeClr val="dk1"/>
+          </a:fontRef>
+        </p:style>
+        <p:txBody>
+          <a:bodyPr rtlCol="0" anchor="ctr"/>
+          <a:lstStyle/>
+          <a:p>
+            <a:pPr algn="ctr"/>
+            <a:r>
+              <a:rPr lang="it-IT" dirty="0"/>
+              <a:t>b</a:t>
+            </a:r>
+          </a:p>
+        </p:txBody>
+      </p:sp>
+      <p:sp>
+        <p:nvSpPr>
+          <p:cNvPr id="8" name="Rettangolo con angoli arrotondati 7">
+            <a:extLst>
+              <a:ext uri="{FF2B5EF4-FFF2-40B4-BE49-F238E27FC236}">
+                <a16:creationId xmlns:a16="http://schemas.microsoft.com/office/drawing/2014/main" id="{1337B56A-6654-2A6E-7B5F-00C08EFDE58A}"/>
+              </a:ext>
+            </a:extLst>
+          </p:cNvPr>
+          <p:cNvSpPr/>
+          <p:nvPr/>
+        </p:nvSpPr>
+        <p:spPr>
+          <a:xfrm>
+            <a:off x="7537778" y="3603670"/>
+            <a:ext cx="420550" cy="371311"/>
+          </a:xfrm>
+          <a:prstGeom prst="roundRect">
+            <a:avLst/>
+          </a:prstGeom>
+          <a:ln>
+            <a:solidFill>
+              <a:schemeClr val="tx1"/>
+            </a:solidFill>
+          </a:ln>
+        </p:spPr>
+        <p:style>
+          <a:lnRef idx="1">
+            <a:schemeClr val="accent4"/>
+          </a:lnRef>
+          <a:fillRef idx="2">
+            <a:schemeClr val="accent4"/>
+          </a:fillRef>
+          <a:effectRef idx="1">
+            <a:schemeClr val="accent4"/>
+          </a:effectRef>
+          <a:fontRef idx="minor">
+            <a:schemeClr val="dk1"/>
+          </a:fontRef>
+        </p:style>
+        <p:txBody>
+          <a:bodyPr rtlCol="0" anchor="ctr"/>
+          <a:lstStyle/>
+          <a:p>
+            <a:pPr algn="ctr"/>
+            <a:r>
+              <a:rPr lang="it-IT" dirty="0"/>
               <a:t>c</a:t>
+            </a:r>
+          </a:p>
+        </p:txBody>
+      </p:sp>
+      <p:pic>
+        <p:nvPicPr>
+          <p:cNvPr id="13" name="Immagine 12">
+            <a:extLst>
+              <a:ext uri="{FF2B5EF4-FFF2-40B4-BE49-F238E27FC236}">
+                <a16:creationId xmlns:a16="http://schemas.microsoft.com/office/drawing/2014/main" id="{4B6E2FE6-D972-0B91-AF90-5D7DB7585C76}"/>
+              </a:ext>
+            </a:extLst>
+          </p:cNvPr>
+          <p:cNvPicPr>
+            <a:picLocks noChangeAspect="1"/>
+          </p:cNvPicPr>
+          <p:nvPr/>
+        </p:nvPicPr>
+        <p:blipFill rotWithShape="1">
+          <a:blip r:embed="rId3">
+            <a:extLst>
+              <a:ext uri="{28A0092B-C50C-407E-A947-70E740481C1C}">
+                <a14:useLocalDpi xmlns:a14="http://schemas.microsoft.com/office/drawing/2010/main" val="0"/>
+              </a:ext>
+            </a:extLst>
+          </a:blip>
+          <a:srcRect t="9562" b="2298"/>
+          <a:stretch/>
+        </p:blipFill>
+        <p:spPr>
+          <a:xfrm>
+            <a:off x="8339210" y="523752"/>
+            <a:ext cx="2695734" cy="2715424"/>
+          </a:xfrm>
+          <a:prstGeom prst="rect">
+            <a:avLst/>
+          </a:prstGeom>
+        </p:spPr>
+      </p:pic>
+      <p:pic>
+        <p:nvPicPr>
+          <p:cNvPr id="10" name="Immagine 9">
+            <a:extLst>
+              <a:ext uri="{FF2B5EF4-FFF2-40B4-BE49-F238E27FC236}">
+                <a16:creationId xmlns:a16="http://schemas.microsoft.com/office/drawing/2014/main" id="{A1E19514-C854-5D3A-3D4C-2C5B5C52F58F}"/>
+              </a:ext>
+            </a:extLst>
+          </p:cNvPr>
+          <p:cNvPicPr>
+            <a:picLocks noChangeAspect="1"/>
+          </p:cNvPicPr>
+          <p:nvPr/>
+        </p:nvPicPr>
+        <p:blipFill rotWithShape="1">
+          <a:blip r:embed="rId4">
+            <a:extLst>
+              <a:ext uri="{28A0092B-C50C-407E-A947-70E740481C1C}">
+                <a14:useLocalDpi xmlns:a14="http://schemas.microsoft.com/office/drawing/2010/main" val="0"/>
+              </a:ext>
+            </a:extLst>
+          </a:blip>
+          <a:srcRect t="12213" b="3819"/>
+          <a:stretch/>
+        </p:blipFill>
+        <p:spPr>
+          <a:xfrm>
+            <a:off x="533000" y="645506"/>
+            <a:ext cx="6629871" cy="5566987"/>
+          </a:xfrm>
+          <a:prstGeom prst="rect">
+            <a:avLst/>
+          </a:prstGeom>
+        </p:spPr>
+      </p:pic>
+      <p:sp>
+        <p:nvSpPr>
+          <p:cNvPr id="6" name="Rettangolo con angoli arrotondati 5">
+            <a:extLst>
+              <a:ext uri="{FF2B5EF4-FFF2-40B4-BE49-F238E27FC236}">
+                <a16:creationId xmlns:a16="http://schemas.microsoft.com/office/drawing/2014/main" id="{7A8B2E49-BB6C-2128-0461-2BF7E3E45699}"/>
+              </a:ext>
+            </a:extLst>
+          </p:cNvPr>
+          <p:cNvSpPr/>
+          <p:nvPr/>
+        </p:nvSpPr>
+        <p:spPr>
+          <a:xfrm>
+            <a:off x="485324" y="494120"/>
+            <a:ext cx="420550" cy="371311"/>
+          </a:xfrm>
+          <a:prstGeom prst="roundRect">
+            <a:avLst/>
+          </a:prstGeom>
+          <a:ln>
+            <a:solidFill>
+              <a:schemeClr val="tx1"/>
+            </a:solidFill>
+          </a:ln>
+        </p:spPr>
+        <p:style>
+          <a:lnRef idx="1">
+            <a:schemeClr val="accent4"/>
+          </a:lnRef>
+          <a:fillRef idx="2">
+            <a:schemeClr val="accent4"/>
+          </a:fillRef>
+          <a:effectRef idx="1">
+            <a:schemeClr val="accent4"/>
+          </a:effectRef>
+          <a:fontRef idx="minor">
+            <a:schemeClr val="dk1"/>
+          </a:fontRef>
+        </p:style>
+        <p:txBody>
+          <a:bodyPr rtlCol="0" anchor="ctr"/>
+          <a:lstStyle/>
+          <a:p>
+            <a:pPr algn="ctr"/>
+            <a:r>
+              <a:rPr lang="it-IT" dirty="0"/>
+              <a:t>a</a:t>
             </a:r>
           </a:p>
         </p:txBody>
@@ -3875,7 +3868,7 @@
     </p:spTree>
     <p:extLst>
       <p:ext uri="{BB962C8B-B14F-4D97-AF65-F5344CB8AC3E}">
-        <p14:creationId xmlns:p14="http://schemas.microsoft.com/office/powerpoint/2010/main" val="3761420501"/>
+        <p14:creationId xmlns:p14="http://schemas.microsoft.com/office/powerpoint/2010/main" val="29811669"/>
       </p:ext>
     </p:extLst>
   </p:cSld>
@@ -4178,4 +4171,193 @@
     </a:ext>
   </a:extLst>
 </a:theme>
+</file>
+
+<file path=customXml/item1.xml><?xml version="1.0" encoding="utf-8"?>
+<?mso-contentType ?>
+<FormTemplates xmlns="http://schemas.microsoft.com/sharepoint/v3/contenttype/forms">
+  <Display>DocumentLibraryForm</Display>
+  <Edit>DocumentLibraryForm</Edit>
+  <New>DocumentLibraryForm</New>
+</FormTemplates>
+</file>
+
+<file path=customXml/item2.xml><?xml version="1.0" encoding="utf-8"?>
+<ct:contentTypeSchema xmlns:ct="http://schemas.microsoft.com/office/2006/metadata/contentType" xmlns:ma="http://schemas.microsoft.com/office/2006/metadata/properties/metaAttributes" ct:_="" ma:_="" ma:contentTypeName="Documento" ma:contentTypeID="0x010100F85318A7CBD6F147BFB0D71BC496FB83" ma:contentTypeVersion="2" ma:contentTypeDescription="Creare un nuovo documento." ma:contentTypeScope="" ma:versionID="607ff87decb6b1233dff704e6efd7bcc">
+  <xsd:schema xmlns:xsd="http://www.w3.org/2001/XMLSchema" xmlns:xs="http://www.w3.org/2001/XMLSchema" xmlns:p="http://schemas.microsoft.com/office/2006/metadata/properties" xmlns:ns3="edfce47a-b68d-423b-b051-eec80be2c8f5" targetNamespace="http://schemas.microsoft.com/office/2006/metadata/properties" ma:root="true" ma:fieldsID="1260e0b32ddcee4d00eb464bbac67675" ns3:_="">
+    <xsd:import namespace="edfce47a-b68d-423b-b051-eec80be2c8f5"/>
+    <xsd:element name="properties">
+      <xsd:complexType>
+        <xsd:sequence>
+          <xsd:element name="documentManagement">
+            <xsd:complexType>
+              <xsd:all>
+                <xsd:element ref="ns3:MediaServiceMetadata" minOccurs="0"/>
+                <xsd:element ref="ns3:MediaServiceFastMetadata" minOccurs="0"/>
+              </xsd:all>
+            </xsd:complexType>
+          </xsd:element>
+        </xsd:sequence>
+      </xsd:complexType>
+    </xsd:element>
+  </xsd:schema>
+  <xsd:schema xmlns:xsd="http://www.w3.org/2001/XMLSchema" xmlns:xs="http://www.w3.org/2001/XMLSchema" xmlns:dms="http://schemas.microsoft.com/office/2006/documentManagement/types" xmlns:pc="http://schemas.microsoft.com/office/infopath/2007/PartnerControls" targetNamespace="edfce47a-b68d-423b-b051-eec80be2c8f5" elementFormDefault="qualified">
+    <xsd:import namespace="http://schemas.microsoft.com/office/2006/documentManagement/types"/>
+    <xsd:import namespace="http://schemas.microsoft.com/office/infopath/2007/PartnerControls"/>
+    <xsd:element name="MediaServiceMetadata" ma:index="8" nillable="true" ma:displayName="MediaServiceMetadata" ma:hidden="true" ma:internalName="MediaServiceMetadata" ma:readOnly="true">
+      <xsd:simpleType>
+        <xsd:restriction base="dms:Note"/>
+      </xsd:simpleType>
+    </xsd:element>
+    <xsd:element name="MediaServiceFastMetadata" ma:index="9" nillable="true" ma:displayName="MediaServiceFastMetadata" ma:hidden="true" ma:internalName="MediaServiceFastMetadata" ma:readOnly="true">
+      <xsd:simpleType>
+        <xsd:restriction base="dms:Note"/>
+      </xsd:simpleType>
+    </xsd:element>
+  </xsd:schema>
+  <xsd:schema xmlns="http://schemas.openxmlformats.org/package/2006/metadata/core-properties" xmlns:xsd="http://www.w3.org/2001/XMLSchema" xmlns:xsi="http://www.w3.org/2001/XMLSchema-instance" xmlns:dc="http://purl.org/dc/elements/1.1/" xmlns:dcterms="http://purl.org/dc/terms/" xmlns:odoc="http://schemas.microsoft.com/internal/obd" targetNamespace="http://schemas.openxmlformats.org/package/2006/metadata/core-properties" elementFormDefault="qualified" attributeFormDefault="unqualified" blockDefault="#all">
+    <xsd:import namespace="http://purl.org/dc/elements/1.1/" schemaLocation="http://dublincore.org/schemas/xmls/qdc/2003/04/02/dc.xsd"/>
+    <xsd:import namespace="http://purl.org/dc/terms/" schemaLocation="http://dublincore.org/schemas/xmls/qdc/2003/04/02/dcterms.xsd"/>
+    <xsd:element name="coreProperties" type="CT_coreProperties"/>
+    <xsd:complexType name="CT_coreProperties">
+      <xsd:all>
+        <xsd:element ref="dc:creator" minOccurs="0" maxOccurs="1"/>
+        <xsd:element ref="dcterms:created" minOccurs="0" maxOccurs="1"/>
+        <xsd:element ref="dc:identifier" minOccurs="0" maxOccurs="1"/>
+        <xsd:element name="contentType" minOccurs="0" maxOccurs="1" type="xsd:string" ma:index="0" ma:displayName="Tipo di contenuto"/>
+        <xsd:element ref="dc:title" minOccurs="0" maxOccurs="1" ma:index="4" ma:displayName="Titolo"/>
+        <xsd:element ref="dc:subject" minOccurs="0" maxOccurs="1"/>
+        <xsd:element ref="dc:description" minOccurs="0" maxOccurs="1"/>
+        <xsd:element name="keywords" minOccurs="0" maxOccurs="1" type="xsd:string"/>
+        <xsd:element ref="dc:language" minOccurs="0" maxOccurs="1"/>
+        <xsd:element name="category" minOccurs="0" maxOccurs="1" type="xsd:string"/>
+        <xsd:element name="version" minOccurs="0" maxOccurs="1" type="xsd:string"/>
+        <xsd:element name="revision" minOccurs="0" maxOccurs="1" type="xsd:string">
+          <xsd:annotation>
+            <xsd:documentation>
+                        This value indicates the number of saves or revisions. The application is responsible for updating this value after each revision.
+                    </xsd:documentation>
+          </xsd:annotation>
+        </xsd:element>
+        <xsd:element name="lastModifiedBy" minOccurs="0" maxOccurs="1" type="xsd:string"/>
+        <xsd:element ref="dcterms:modified" minOccurs="0" maxOccurs="1"/>
+        <xsd:element name="contentStatus" minOccurs="0" maxOccurs="1" type="xsd:string"/>
+      </xsd:all>
+    </xsd:complexType>
+  </xsd:schema>
+  <xs:schema xmlns:pc="http://schemas.microsoft.com/office/infopath/2007/PartnerControls" xmlns:xs="http://www.w3.org/2001/XMLSchema" targetNamespace="http://schemas.microsoft.com/office/infopath/2007/PartnerControls" elementFormDefault="qualified" attributeFormDefault="unqualified">
+    <xs:element name="Person">
+      <xs:complexType>
+        <xs:sequence>
+          <xs:element ref="pc:DisplayName" minOccurs="0"/>
+          <xs:element ref="pc:AccountId" minOccurs="0"/>
+          <xs:element ref="pc:AccountType" minOccurs="0"/>
+        </xs:sequence>
+      </xs:complexType>
+    </xs:element>
+    <xs:element name="DisplayName" type="xs:string"/>
+    <xs:element name="AccountId" type="xs:string"/>
+    <xs:element name="AccountType" type="xs:string"/>
+    <xs:element name="BDCAssociatedEntity">
+      <xs:complexType>
+        <xs:sequence>
+          <xs:element ref="pc:BDCEntity" minOccurs="0" maxOccurs="unbounded"/>
+        </xs:sequence>
+        <xs:attribute ref="pc:EntityNamespace"/>
+        <xs:attribute ref="pc:EntityName"/>
+        <xs:attribute ref="pc:SystemInstanceName"/>
+        <xs:attribute ref="pc:AssociationName"/>
+      </xs:complexType>
+    </xs:element>
+    <xs:attribute name="EntityNamespace" type="xs:string"/>
+    <xs:attribute name="EntityName" type="xs:string"/>
+    <xs:attribute name="SystemInstanceName" type="xs:string"/>
+    <xs:attribute name="AssociationName" type="xs:string"/>
+    <xs:element name="BDCEntity">
+      <xs:complexType>
+        <xs:sequence>
+          <xs:element ref="pc:EntityDisplayName" minOccurs="0"/>
+          <xs:element ref="pc:EntityInstanceReference" minOccurs="0"/>
+          <xs:element ref="pc:EntityId1" minOccurs="0"/>
+          <xs:element ref="pc:EntityId2" minOccurs="0"/>
+          <xs:element ref="pc:EntityId3" minOccurs="0"/>
+          <xs:element ref="pc:EntityId4" minOccurs="0"/>
+          <xs:element ref="pc:EntityId5" minOccurs="0"/>
+        </xs:sequence>
+      </xs:complexType>
+    </xs:element>
+    <xs:element name="EntityDisplayName" type="xs:string"/>
+    <xs:element name="EntityInstanceReference" type="xs:string"/>
+    <xs:element name="EntityId1" type="xs:string"/>
+    <xs:element name="EntityId2" type="xs:string"/>
+    <xs:element name="EntityId3" type="xs:string"/>
+    <xs:element name="EntityId4" type="xs:string"/>
+    <xs:element name="EntityId5" type="xs:string"/>
+    <xs:element name="Terms">
+      <xs:complexType>
+        <xs:sequence>
+          <xs:element ref="pc:TermInfo" minOccurs="0" maxOccurs="unbounded"/>
+        </xs:sequence>
+      </xs:complexType>
+    </xs:element>
+    <xs:element name="TermInfo">
+      <xs:complexType>
+        <xs:sequence>
+          <xs:element ref="pc:TermName" minOccurs="0"/>
+          <xs:element ref="pc:TermId" minOccurs="0"/>
+        </xs:sequence>
+      </xs:complexType>
+    </xs:element>
+    <xs:element name="TermName" type="xs:string"/>
+    <xs:element name="TermId" type="xs:string"/>
+  </xs:schema>
+</ct:contentTypeSchema>
+</file>
+
+<file path=customXml/item3.xml><?xml version="1.0" encoding="utf-8"?>
+<p:properties xmlns:p="http://schemas.microsoft.com/office/2006/metadata/properties" xmlns:xsi="http://www.w3.org/2001/XMLSchema-instance" xmlns:pc="http://schemas.microsoft.com/office/infopath/2007/PartnerControls">
+  <documentManagement/>
+</p:properties>
+</file>
+
+<file path=customXml/itemProps1.xml><?xml version="1.0" encoding="utf-8"?>
+<ds:datastoreItem xmlns:ds="http://schemas.openxmlformats.org/officeDocument/2006/customXml" ds:itemID="{B007C3B4-20E1-428E-B941-3F9834419A21}">
+  <ds:schemaRefs>
+    <ds:schemaRef ds:uri="http://schemas.microsoft.com/sharepoint/v3/contenttype/forms"/>
+  </ds:schemaRefs>
+</ds:datastoreItem>
+</file>
+
+<file path=customXml/itemProps2.xml><?xml version="1.0" encoding="utf-8"?>
+<ds:datastoreItem xmlns:ds="http://schemas.openxmlformats.org/officeDocument/2006/customXml" ds:itemID="{0AED1F90-DBCE-4206-8513-9B1B9FD0EE5D}">
+  <ds:schemaRefs>
+    <ds:schemaRef ds:uri="http://schemas.microsoft.com/office/2006/metadata/contentType"/>
+    <ds:schemaRef ds:uri="http://schemas.microsoft.com/office/2006/metadata/properties/metaAttributes"/>
+    <ds:schemaRef ds:uri="http://www.w3.org/2001/XMLSchema"/>
+    <ds:schemaRef ds:uri="http://schemas.microsoft.com/office/2006/metadata/properties"/>
+    <ds:schemaRef ds:uri="edfce47a-b68d-423b-b051-eec80be2c8f5"/>
+    <ds:schemaRef ds:uri="http://schemas.microsoft.com/office/2006/documentManagement/types"/>
+    <ds:schemaRef ds:uri="http://schemas.microsoft.com/office/infopath/2007/PartnerControls"/>
+    <ds:schemaRef ds:uri="http://schemas.openxmlformats.org/package/2006/metadata/core-properties"/>
+    <ds:schemaRef ds:uri="http://purl.org/dc/elements/1.1/"/>
+    <ds:schemaRef ds:uri="http://purl.org/dc/terms/"/>
+    <ds:schemaRef ds:uri="http://schemas.microsoft.com/internal/obd"/>
+  </ds:schemaRefs>
+</ds:datastoreItem>
+</file>
+
+<file path=customXml/itemProps3.xml><?xml version="1.0" encoding="utf-8"?>
+<ds:datastoreItem xmlns:ds="http://schemas.openxmlformats.org/officeDocument/2006/customXml" ds:itemID="{DBF836A3-1458-4151-8D24-93F6E9BE5EBA}">
+  <ds:schemaRefs>
+    <ds:schemaRef ds:uri="http://purl.org/dc/elements/1.1/"/>
+    <ds:schemaRef ds:uri="http://purl.org/dc/terms/"/>
+    <ds:schemaRef ds:uri="http://schemas.microsoft.com/office/2006/metadata/properties"/>
+    <ds:schemaRef ds:uri="http://schemas.microsoft.com/office/infopath/2007/PartnerControls"/>
+    <ds:schemaRef ds:uri="http://www.w3.org/XML/1998/namespace"/>
+    <ds:schemaRef ds:uri="http://schemas.microsoft.com/office/2006/documentManagement/types"/>
+    <ds:schemaRef ds:uri="http://schemas.openxmlformats.org/package/2006/metadata/core-properties"/>
+    <ds:schemaRef ds:uri="edfce47a-b68d-423b-b051-eec80be2c8f5"/>
+    <ds:schemaRef ds:uri="http://purl.org/dc/dcmitype/"/>
+  </ds:schemaRefs>
+</ds:datastoreItem>
 </file>